--- a/2019系统仿真-13- 延迟原理.pptx
+++ b/2019系统仿真-13- 延迟原理.pptx
@@ -257,7 +257,7 @@
                 <a:latin typeface="微软雅黑" panose="020B0503020204020204" pitchFamily="34" charset="-122"/>
                 <a:ea typeface="微软雅黑" panose="020B0503020204020204" pitchFamily="34" charset="-122"/>
               </a:rPr>
-              <a:t>2019年4月28日 Sunday</a:t>
+              <a:t>2019年4月29日 Monday</a:t>
             </a:fld>
             <a:endParaRPr lang="zh-CN" altLang="en-US" dirty="0">
               <a:latin typeface="微软雅黑" panose="020B0503020204020204" pitchFamily="34" charset="-122"/>
@@ -449,7 +449,7 @@
             <a:fld id="{07D6BDDC-F39A-4E16-93D6-E40B88AA6D58}" type="datetime2">
               <a:rPr lang="zh-CN" altLang="en-US" smtClean="0"/>
               <a:pPr/>
-              <a:t>2019年4月28日 Sunday</a:t>
+              <a:t>2019年4月29日 Monday</a:t>
             </a:fld>
             <a:endParaRPr lang="zh-CN" altLang="en-US" dirty="0"/>
           </a:p>
@@ -1767,7 +1767,7 @@
             <a:fld id="{4947C3F0-2957-4D41-9FB7-182757A04D67}" type="datetime2">
               <a:rPr lang="zh-CN" altLang="en-US" smtClean="0"/>
               <a:pPr/>
-              <a:t>2019年4月28日 Sunday</a:t>
+              <a:t>2019年4月29日 Monday</a:t>
             </a:fld>
             <a:endParaRPr lang="zh-CN" altLang="en-US" dirty="0"/>
           </a:p>
@@ -2000,7 +2000,7 @@
             <a:fld id="{8DF8E148-EC1F-43A2-8C9E-1F57F6D08A76}" type="datetime2">
               <a:rPr lang="zh-CN" altLang="en-US" smtClean="0"/>
               <a:pPr/>
-              <a:t>2019年4月28日 Sunday</a:t>
+              <a:t>2019年4月29日 Monday</a:t>
             </a:fld>
             <a:endParaRPr lang="zh-CN" altLang="en-US" dirty="0"/>
           </a:p>
@@ -2883,7 +2883,7 @@
             <a:fld id="{FB7B4C11-1E14-4887-9E78-A9346EC068F1}" type="datetime2">
               <a:rPr lang="zh-CN" altLang="en-US" smtClean="0"/>
               <a:pPr/>
-              <a:t>2019年4月28日 Sunday</a:t>
+              <a:t>2019年4月29日 Monday</a:t>
             </a:fld>
             <a:endParaRPr lang="zh-CN" altLang="en-US" dirty="0"/>
           </a:p>
@@ -3142,7 +3142,7 @@
             <a:fld id="{86FD5D46-E987-42B2-B42C-B8920598FADE}" type="datetime2">
               <a:rPr lang="zh-CN" altLang="en-US" smtClean="0"/>
               <a:pPr/>
-              <a:t>2019年4月28日 Sunday</a:t>
+              <a:t>2019年4月29日 Monday</a:t>
             </a:fld>
             <a:endParaRPr lang="zh-CN" altLang="en-US" dirty="0"/>
           </a:p>
@@ -4469,7 +4469,7 @@
             <a:fld id="{8365F240-A7EF-41C8-A85B-C448CF84B5E5}" type="datetime2">
               <a:rPr lang="zh-CN" altLang="en-US" smtClean="0"/>
               <a:pPr/>
-              <a:t>2019年4月28日 Sunday</a:t>
+              <a:t>2019年4月29日 Monday</a:t>
             </a:fld>
             <a:endParaRPr lang="zh-CN" altLang="en-US" dirty="0"/>
           </a:p>
@@ -4804,7 +4804,7 @@
             <a:fld id="{F770B30E-8728-44DB-AEE3-E4A75AEDBBD9}" type="datetime2">
               <a:rPr lang="zh-CN" altLang="en-US" smtClean="0"/>
               <a:pPr/>
-              <a:t>2019年4月28日 Sunday</a:t>
+              <a:t>2019年4月29日 Monday</a:t>
             </a:fld>
             <a:endParaRPr lang="zh-CN" altLang="en-US" dirty="0"/>
           </a:p>
@@ -5305,7 +5305,7 @@
             <a:fld id="{680BCF82-A51A-4389-A573-378AD02C5141}" type="datetime2">
               <a:rPr lang="zh-CN" altLang="en-US" smtClean="0"/>
               <a:pPr/>
-              <a:t>2019年4月28日 Sunday</a:t>
+              <a:t>2019年4月29日 Monday</a:t>
             </a:fld>
             <a:endParaRPr lang="zh-CN" altLang="en-US" dirty="0"/>
           </a:p>
@@ -5460,7 +5460,7 @@
             <a:fld id="{CE03A716-E3DC-4D9D-823C-60FCD8C9B163}" type="datetime2">
               <a:rPr lang="zh-CN" altLang="en-US" smtClean="0"/>
               <a:pPr/>
-              <a:t>2019年4月28日 Sunday</a:t>
+              <a:t>2019年4月29日 Monday</a:t>
             </a:fld>
             <a:endParaRPr lang="zh-CN" altLang="en-US" dirty="0"/>
           </a:p>
@@ -5820,7 +5820,7 @@
             <a:fld id="{C16B8A94-44E5-4844-A22C-F796FCAA90D9}" type="datetime2">
               <a:rPr lang="zh-CN" altLang="en-US" smtClean="0"/>
               <a:pPr/>
-              <a:t>2019年4月28日 Sunday</a:t>
+              <a:t>2019年4月29日 Monday</a:t>
             </a:fld>
             <a:endParaRPr lang="zh-CN" altLang="en-US" dirty="0"/>
           </a:p>
@@ -6362,7 +6362,7 @@
             <a:fld id="{F288B2AC-AC0A-4E49-82A3-94EE74FA7FBF}" type="datetime2">
               <a:rPr lang="zh-CN" altLang="en-US" smtClean="0"/>
               <a:pPr/>
-              <a:t>2019年4月28日 Sunday</a:t>
+              <a:t>2019年4月29日 Monday</a:t>
             </a:fld>
             <a:endParaRPr lang="zh-CN" altLang="en-US" dirty="0"/>
           </a:p>
@@ -6848,7 +6848,7 @@
             <a:fld id="{1878E339-1BD2-4FEE-A113-9A0301740CF6}" type="datetime2">
               <a:rPr lang="zh-CN" altLang="en-US" smtClean="0"/>
               <a:pPr/>
-              <a:t>2019年4月28日 Sunday</a:t>
+              <a:t>2019年4月29日 Monday</a:t>
             </a:fld>
             <a:endParaRPr lang="zh-CN" altLang="en-US" dirty="0"/>
           </a:p>
@@ -7772,7 +7772,7 @@
             <a:fld id="{A339CB27-C670-4AAB-948C-7E3D1D9FAE30}" type="datetime2">
               <a:rPr lang="zh-CN" altLang="en-US" smtClean="0"/>
               <a:pPr/>
-              <a:t>2019年4月28日 Sunday</a:t>
+              <a:t>2019年4月29日 Monday</a:t>
             </a:fld>
             <a:endParaRPr lang="zh-CN" altLang="en-US" dirty="0"/>
           </a:p>
@@ -8272,6 +8272,36 @@
             <a:extLst>
               <a:ext uri="{FF2B5EF4-FFF2-40B4-BE49-F238E27FC236}">
                 <a16:creationId xmlns:a16="http://schemas.microsoft.com/office/drawing/2014/main" id="{EB999EDA-5E37-C646-8621-4F5B084B0C78}"/>
+              </a:ext>
+            </a:extLst>
+          </p:cNvPr>
+          <p:cNvPicPr>
+            <a:picLocks noChangeAspect="1"/>
+          </p:cNvPicPr>
+          <p:nvPr/>
+        </p:nvPicPr>
+        <p:blipFill>
+          <a:blip r:link="rId3"/>
+          <a:stretch>
+            <a:fillRect/>
+          </a:stretch>
+        </p:blipFill>
+        <p:spPr>
+          <a:xfrm>
+            <a:off x="1270000" y="1270000"/>
+            <a:ext cx="63500" cy="76200"/>
+          </a:xfrm>
+          <a:prstGeom prst="rect">
+            <a:avLst/>
+          </a:prstGeom>
+        </p:spPr>
+      </p:pic>
+      <p:pic>
+        <p:nvPicPr>
+          <p:cNvPr id="6" name="图片 5">
+            <a:extLst>
+              <a:ext uri="{FF2B5EF4-FFF2-40B4-BE49-F238E27FC236}">
+                <a16:creationId xmlns:a16="http://schemas.microsoft.com/office/drawing/2014/main" id="{59F31DF4-B451-9243-BF32-31883BABD718}"/>
               </a:ext>
             </a:extLst>
           </p:cNvPr>
@@ -10405,8 +10435,8 @@
           </a:p>
         </p:txBody>
       </p:sp>
-      <mc:AlternateContent xmlns:mc="http://schemas.openxmlformats.org/markup-compatibility/2006">
-        <mc:Choice xmlns:a14="http://schemas.microsoft.com/office/drawing/2010/main" Requires="a14">
+      <mc:AlternateContent xmlns:mc="http://schemas.openxmlformats.org/markup-compatibility/2006" xmlns:a14="http://schemas.microsoft.com/office/drawing/2010/main">
+        <mc:Choice Requires="a14">
           <p:sp>
             <p:nvSpPr>
               <p:cNvPr id="5" name="矩形 4">
@@ -10527,7 +10557,7 @@
             </p:txBody>
           </p:sp>
         </mc:Choice>
-        <mc:Fallback>
+        <mc:Fallback xmlns="">
           <p:sp>
             <p:nvSpPr>
               <p:cNvPr id="5" name="矩形 4">
@@ -10572,8 +10602,8 @@
           </p:sp>
         </mc:Fallback>
       </mc:AlternateContent>
-      <mc:AlternateContent xmlns:mc="http://schemas.openxmlformats.org/markup-compatibility/2006">
-        <mc:Choice xmlns:a14="http://schemas.microsoft.com/office/drawing/2010/main" Requires="a14">
+      <mc:AlternateContent xmlns:mc="http://schemas.openxmlformats.org/markup-compatibility/2006" xmlns:a14="http://schemas.microsoft.com/office/drawing/2010/main">
+        <mc:Choice Requires="a14">
           <p:sp>
             <p:nvSpPr>
               <p:cNvPr id="7" name="矩形 6">
@@ -10638,7 +10668,7 @@
             </p:txBody>
           </p:sp>
         </mc:Choice>
-        <mc:Fallback>
+        <mc:Fallback xmlns="">
           <p:sp>
             <p:nvSpPr>
               <p:cNvPr id="7" name="矩形 6">
@@ -10703,8 +10733,8 @@
             <a:chExt cx="4563454" cy="911144"/>
           </a:xfrm>
         </p:grpSpPr>
-        <mc:AlternateContent xmlns:mc="http://schemas.openxmlformats.org/markup-compatibility/2006">
-          <mc:Choice xmlns:a14="http://schemas.microsoft.com/office/drawing/2010/main" Requires="a14">
+        <mc:AlternateContent xmlns:mc="http://schemas.openxmlformats.org/markup-compatibility/2006" xmlns:a14="http://schemas.microsoft.com/office/drawing/2010/main">
+          <mc:Choice Requires="a14">
             <p:sp>
               <p:nvSpPr>
                 <p:cNvPr id="8" name="矩形 7">
@@ -10804,7 +10834,7 @@
               </p:txBody>
             </p:sp>
           </mc:Choice>
-          <mc:Fallback>
+          <mc:Fallback xmlns="">
             <p:sp>
               <p:nvSpPr>
                 <p:cNvPr id="8" name="矩形 7">
@@ -10893,8 +10923,8 @@
           </p:txBody>
         </p:sp>
       </p:grpSp>
-      <mc:AlternateContent xmlns:mc="http://schemas.openxmlformats.org/markup-compatibility/2006">
-        <mc:Choice xmlns:a14="http://schemas.microsoft.com/office/drawing/2010/main" Requires="a14">
+      <mc:AlternateContent xmlns:mc="http://schemas.openxmlformats.org/markup-compatibility/2006" xmlns:a14="http://schemas.microsoft.com/office/drawing/2010/main">
+        <mc:Choice Requires="a14">
           <p:sp>
             <p:nvSpPr>
               <p:cNvPr id="10" name="矩形 9">
@@ -10959,7 +10989,7 @@
             </p:txBody>
           </p:sp>
         </mc:Choice>
-        <mc:Fallback>
+        <mc:Fallback xmlns="">
           <p:sp>
             <p:nvSpPr>
               <p:cNvPr id="10" name="矩形 9">
@@ -15947,7 +15977,7 @@
             <a:graphicData uri="http://schemas.openxmlformats.org/presentationml/2006/ole">
               <mc:AlternateContent xmlns:mc="http://schemas.openxmlformats.org/markup-compatibility/2006">
                 <mc:Choice xmlns:v="urn:schemas-microsoft-com:vml" Requires="v">
-                  <p:oleObj spid="_x0000_s2066" name="Equation" r:id="rId5" imgW="1638000" imgH="203040" progId="Equation.DSMT4">
+                  <p:oleObj spid="_x0000_s2067" name="Equation" r:id="rId5" imgW="1638000" imgH="203040" progId="Equation.DSMT4">
                     <p:embed/>
                   </p:oleObj>
                 </mc:Choice>
@@ -16089,38 +16119,6 @@
           </a:p>
         </p:txBody>
       </p:sp>
-      <p:sp>
-        <p:nvSpPr>
-          <p:cNvPr id="3" name="内容占位符 2"/>
-          <p:cNvSpPr>
-            <a:spLocks noGrp="1"/>
-          </p:cNvSpPr>
-          <p:nvPr>
-            <p:ph idx="1"/>
-          </p:nvPr>
-        </p:nvSpPr>
-        <p:spPr/>
-        <p:txBody>
-          <a:bodyPr/>
-          <a:lstStyle/>
-          <a:p>
-            <a:pPr marL="0" indent="0">
-              <a:buNone/>
-            </a:pPr>
-            <a:r>
-              <a:rPr lang="zh-CN" altLang="en-US" dirty="0"/>
-              <a:t>供给线上有多少物料？</a:t>
-            </a:r>
-            <a:endParaRPr lang="en-US" altLang="zh-CN" dirty="0"/>
-          </a:p>
-          <a:p>
-            <a:pPr marL="0" indent="0">
-              <a:buNone/>
-            </a:pPr>
-            <a:endParaRPr lang="zh-CN" altLang="en-US" dirty="0"/>
-          </a:p>
-        </p:txBody>
-      </p:sp>
       <p:pic>
         <p:nvPicPr>
           <p:cNvPr id="4" name="图片 3"/>
@@ -16130,7 +16128,7 @@
           <p:nvPr/>
         </p:nvPicPr>
         <p:blipFill>
-          <a:blip r:embed="rId3"/>
+          <a:blip r:embed="rId2"/>
           <a:stretch>
             <a:fillRect/>
           </a:stretch>
@@ -16188,96 +16186,103 @@
           </a:p>
         </p:txBody>
       </p:sp>
-      <p:sp>
-        <p:nvSpPr>
-          <p:cNvPr id="7" name="文本框 6"/>
-          <p:cNvSpPr txBox="1"/>
-          <p:nvPr/>
-        </p:nvSpPr>
-        <p:spPr>
-          <a:xfrm>
-            <a:off x="6551701" y="1417637"/>
-            <a:ext cx="4824536" cy="646331"/>
-          </a:xfrm>
-          <a:prstGeom prst="rect">
-            <a:avLst/>
-          </a:prstGeom>
-          <a:noFill/>
-        </p:spPr>
-        <p:txBody>
-          <a:bodyPr wrap="square" rtlCol="0">
-            <a:spAutoFit/>
-          </a:bodyPr>
-          <a:lstStyle/>
-          <a:p>
-            <a:r>
-              <a:rPr lang="zh-CN" altLang="en-US" dirty="0">
-                <a:solidFill>
-                  <a:srgbClr val="7030A0"/>
-                </a:solidFill>
-              </a:rPr>
-              <a:t>输入速率流与输出速率流之间的差，即运输线上积累的物料。</a:t>
-            </a:r>
-          </a:p>
-        </p:txBody>
-      </p:sp>
-      <p:graphicFrame>
-        <p:nvGraphicFramePr>
-          <p:cNvPr id="8" name="对象 7"/>
-          <p:cNvGraphicFramePr>
-            <a:graphicFrameLocks noChangeAspect="1"/>
-          </p:cNvGraphicFramePr>
-          <p:nvPr>
-            <p:extLst>
-              <p:ext uri="{D42A27DB-BD31-4B8C-83A1-F6EECF244321}">
-                <p14:modId xmlns:p14="http://schemas.microsoft.com/office/powerpoint/2010/main" val="3954049448"/>
-              </p:ext>
-            </p:extLst>
-          </p:nvPr>
-        </p:nvGraphicFramePr>
-        <p:xfrm>
-          <a:off x="2760059" y="2354885"/>
-          <a:ext cx="476021" cy="343793"/>
-        </p:xfrm>
-        <a:graphic>
-          <a:graphicData uri="http://schemas.openxmlformats.org/presentationml/2006/ole">
-            <mc:AlternateContent xmlns:mc="http://schemas.openxmlformats.org/markup-compatibility/2006">
-              <mc:Choice xmlns:v="urn:schemas-microsoft-com:vml" Requires="v">
-                <p:oleObj spid="_x0000_s3090" name="Equation" r:id="rId4" imgW="228600" imgH="164880" progId="Equation.DSMT4">
-                  <p:embed/>
-                </p:oleObj>
-              </mc:Choice>
-              <mc:Fallback>
-                <p:oleObj name="Equation" r:id="rId4" imgW="228600" imgH="164880" progId="Equation.DSMT4">
-                  <p:embed/>
-                  <p:pic>
-                    <p:nvPicPr>
-                      <p:cNvPr id="0" name=""/>
-                      <p:cNvPicPr/>
-                      <p:nvPr/>
-                    </p:nvPicPr>
-                    <p:blipFill>
-                      <a:blip r:embed="rId5"/>
-                      <a:stretch>
-                        <a:fillRect/>
-                      </a:stretch>
-                    </p:blipFill>
-                    <p:spPr>
-                      <a:xfrm>
-                        <a:off x="2760059" y="2354885"/>
-                        <a:ext cx="476021" cy="343793"/>
-                      </a:xfrm>
-                      <a:prstGeom prst="rect">
-                        <a:avLst/>
-                      </a:prstGeom>
-                    </p:spPr>
-                  </p:pic>
-                </p:oleObj>
-              </mc:Fallback>
-            </mc:AlternateContent>
-          </a:graphicData>
-        </a:graphic>
-      </p:graphicFrame>
+      <mc:AlternateContent xmlns:mc="http://schemas.openxmlformats.org/markup-compatibility/2006">
+        <mc:Choice xmlns:a14="http://schemas.microsoft.com/office/drawing/2010/main" Requires="a14">
+          <p:sp>
+            <p:nvSpPr>
+              <p:cNvPr id="7" name="文本框 6"/>
+              <p:cNvSpPr txBox="1"/>
+              <p:nvPr/>
+            </p:nvSpPr>
+            <p:spPr>
+              <a:xfrm>
+                <a:off x="1803405" y="2256518"/>
+                <a:ext cx="4824536" cy="369332"/>
+              </a:xfrm>
+              <a:prstGeom prst="rect">
+                <a:avLst/>
+              </a:prstGeom>
+              <a:noFill/>
+            </p:spPr>
+            <p:txBody>
+              <a:bodyPr wrap="square" rtlCol="0">
+                <a:spAutoFit/>
+              </a:bodyPr>
+              <a:lstStyle/>
+              <a:p>
+                <a:r>
+                  <a:rPr lang="zh-CN" altLang="en-US" dirty="0">
+                    <a:solidFill>
+                      <a:srgbClr val="7030A0"/>
+                    </a:solidFill>
+                  </a:rPr>
+                  <a:t>单位时间输入流量</a:t>
+                </a:r>
+                <a14:m>
+                  <m:oMath xmlns:m="http://schemas.openxmlformats.org/officeDocument/2006/math">
+                    <m:r>
+                      <a:rPr lang="en-US" altLang="zh-CN" i="1" smtClean="0">
+                        <a:solidFill>
+                          <a:srgbClr val="7030A0"/>
+                        </a:solidFill>
+                        <a:latin typeface="Cambria Math" panose="02040503050406030204" pitchFamily="18" charset="0"/>
+                        <a:ea typeface="Cambria Math" panose="02040503050406030204" pitchFamily="18" charset="0"/>
+                      </a:rPr>
+                      <m:t>×</m:t>
+                    </m:r>
+                  </m:oMath>
+                </a14:m>
+                <a:r>
+                  <a:rPr lang="zh-CN" altLang="en-US" dirty="0">
+                    <a:solidFill>
+                      <a:srgbClr val="7030A0"/>
+                    </a:solidFill>
+                  </a:rPr>
+                  <a:t>延迟时间</a:t>
+                </a:r>
+              </a:p>
+            </p:txBody>
+          </p:sp>
+        </mc:Choice>
+        <mc:Fallback>
+          <p:sp>
+            <p:nvSpPr>
+              <p:cNvPr id="7" name="文本框 6"/>
+              <p:cNvSpPr txBox="1">
+                <a:spLocks noRot="1" noChangeAspect="1" noMove="1" noResize="1" noEditPoints="1" noAdjustHandles="1" noChangeArrowheads="1" noChangeShapeType="1" noTextEdit="1"/>
+              </p:cNvSpPr>
+              <p:nvPr/>
+            </p:nvSpPr>
+            <p:spPr>
+              <a:xfrm>
+                <a:off x="1803405" y="2256518"/>
+                <a:ext cx="4824536" cy="369332"/>
+              </a:xfrm>
+              <a:prstGeom prst="rect">
+                <a:avLst/>
+              </a:prstGeom>
+              <a:blipFill>
+                <a:blip r:embed="rId3"/>
+                <a:stretch>
+                  <a:fillRect l="-1050" t="-6667" b="-20000"/>
+                </a:stretch>
+              </a:blipFill>
+            </p:spPr>
+            <p:txBody>
+              <a:bodyPr/>
+              <a:lstStyle/>
+              <a:p>
+                <a:r>
+                  <a:rPr lang="zh-CN" altLang="en-US">
+                    <a:noFill/>
+                  </a:rPr>
+                  <a:t> </a:t>
+                </a:r>
+              </a:p>
+            </p:txBody>
+          </p:sp>
+        </mc:Fallback>
+      </mc:AlternateContent>
       <p:sp>
         <p:nvSpPr>
           <p:cNvPr id="9" name="文本框 8"/>
@@ -16343,6 +16348,41 @@
             <a:r>
               <a:rPr lang="zh-CN" altLang="en-US" dirty="0"/>
               <a:t>供给线</a:t>
+            </a:r>
+          </a:p>
+        </p:txBody>
+      </p:sp>
+      <p:sp>
+        <p:nvSpPr>
+          <p:cNvPr id="13" name="文本框 12">
+            <a:extLst>
+              <a:ext uri="{FF2B5EF4-FFF2-40B4-BE49-F238E27FC236}">
+                <a16:creationId xmlns:a16="http://schemas.microsoft.com/office/drawing/2014/main" id="{DCE31B79-4B81-0B4E-8A0D-DA9EEC3E9503}"/>
+              </a:ext>
+            </a:extLst>
+          </p:cNvPr>
+          <p:cNvSpPr txBox="1"/>
+          <p:nvPr/>
+        </p:nvSpPr>
+        <p:spPr>
+          <a:xfrm>
+            <a:off x="1636158" y="1564091"/>
+            <a:ext cx="4185761" cy="461665"/>
+          </a:xfrm>
+          <a:prstGeom prst="rect">
+            <a:avLst/>
+          </a:prstGeom>
+          <a:noFill/>
+        </p:spPr>
+        <p:txBody>
+          <a:bodyPr wrap="none" rtlCol="0">
+            <a:spAutoFit/>
+          </a:bodyPr>
+          <a:lstStyle/>
+          <a:p>
+            <a:r>
+              <a:rPr kumimoji="1" lang="zh-CN" altLang="en-US" sz="2400" dirty="0"/>
+              <a:t>供给线上有多少数量的积存？</a:t>
             </a:r>
           </a:p>
         </p:txBody>
@@ -16580,6 +16620,112 @@
                       </p:childTnLst>
                     </p:cTn>
                   </p:par>
+                  <p:par>
+                    <p:cTn id="22" fill="hold">
+                      <p:stCondLst>
+                        <p:cond delay="indefinite"/>
+                      </p:stCondLst>
+                      <p:childTnLst>
+                        <p:par>
+                          <p:cTn id="23" fill="hold">
+                            <p:stCondLst>
+                              <p:cond delay="0"/>
+                            </p:stCondLst>
+                            <p:childTnLst>
+                              <p:par>
+                                <p:cTn id="24" presetID="10" presetClass="entr" presetSubtype="0" fill="hold" grpId="0" nodeType="clickEffect">
+                                  <p:stCondLst>
+                                    <p:cond delay="0"/>
+                                  </p:stCondLst>
+                                  <p:childTnLst>
+                                    <p:set>
+                                      <p:cBhvr>
+                                        <p:cTn id="25" dur="1" fill="hold">
+                                          <p:stCondLst>
+                                            <p:cond delay="0"/>
+                                          </p:stCondLst>
+                                        </p:cTn>
+                                        <p:tgtEl>
+                                          <p:spTgt spid="13"/>
+                                        </p:tgtEl>
+                                        <p:attrNameLst>
+                                          <p:attrName>style.visibility</p:attrName>
+                                        </p:attrNameLst>
+                                      </p:cBhvr>
+                                      <p:to>
+                                        <p:strVal val="visible"/>
+                                      </p:to>
+                                    </p:set>
+                                    <p:animEffect transition="in" filter="fade">
+                                      <p:cBhvr>
+                                        <p:cTn id="26" dur="500"/>
+                                        <p:tgtEl>
+                                          <p:spTgt spid="13"/>
+                                        </p:tgtEl>
+                                      </p:cBhvr>
+                                    </p:animEffect>
+                                  </p:childTnLst>
+                                </p:cTn>
+                              </p:par>
+                            </p:childTnLst>
+                          </p:cTn>
+                        </p:par>
+                      </p:childTnLst>
+                    </p:cTn>
+                  </p:par>
+                  <p:par>
+                    <p:cTn id="27" fill="hold">
+                      <p:stCondLst>
+                        <p:cond delay="indefinite"/>
+                      </p:stCondLst>
+                      <p:childTnLst>
+                        <p:par>
+                          <p:cTn id="28" fill="hold">
+                            <p:stCondLst>
+                              <p:cond delay="0"/>
+                            </p:stCondLst>
+                            <p:childTnLst>
+                              <p:par>
+                                <p:cTn id="29" presetID="10" presetClass="entr" presetSubtype="0" fill="hold" grpId="0" nodeType="clickEffect">
+                                  <p:stCondLst>
+                                    <p:cond delay="0"/>
+                                  </p:stCondLst>
+                                  <p:childTnLst>
+                                    <p:set>
+                                      <p:cBhvr>
+                                        <p:cTn id="30" dur="1" fill="hold">
+                                          <p:stCondLst>
+                                            <p:cond delay="0"/>
+                                          </p:stCondLst>
+                                        </p:cTn>
+                                        <p:tgtEl>
+                                          <p:spTgt spid="7"/>
+                                        </p:tgtEl>
+                                        <p:attrNameLst>
+                                          <p:attrName>style.visibility</p:attrName>
+                                        </p:attrNameLst>
+                                      </p:cBhvr>
+                                      <p:to>
+                                        <p:strVal val="visible"/>
+                                      </p:to>
+                                    </p:set>
+                                    <p:animEffect transition="in" filter="fade">
+                                      <p:cBhvr>
+                                        <p:cTn id="31" dur="500"/>
+                                        <p:tgtEl>
+                                          <p:spTgt spid="7"/>
+                                        </p:tgtEl>
+                                      </p:cBhvr>
+                                    </p:animEffect>
+                                  </p:childTnLst>
+                                </p:cTn>
+                              </p:par>
+                            </p:childTnLst>
+                          </p:cTn>
+                        </p:par>
+                      </p:childTnLst>
+                    </p:cTn>
+                  </p:par>
                 </p:childTnLst>
               </p:cTn>
               <p:prevCondLst>
@@ -16603,8 +16749,10 @@
     </p:tnLst>
     <p:bldLst>
       <p:bldP spid="6" grpId="0" animBg="1"/>
+      <p:bldP spid="7" grpId="0"/>
       <p:bldP spid="9" grpId="0"/>
       <p:bldP spid="10" grpId="0"/>
+      <p:bldP spid="13" grpId="0"/>
     </p:bldLst>
   </p:timing>
 </p:sld>
@@ -17638,29 +17786,23 @@
 
 <file path=customXml/item1.xml><?xml version="1.0" encoding="utf-8"?>
 <Control xmlns="http://schemas.microsoft.com/VisualStudio/2011/storyboarding/control">
-  <Id Name="System.Storyboarding.Common.TextInput" Revision="1" Stencil="System.Storyboarding.Common" StencilVersion="0.1"/>
+  <Id Name="System.Storyboarding.Common.DragSelection" Revision="1" Stencil="System.Storyboarding.Common" StencilVersion="0.1"/>
 </Control>
 </file>
 
 <file path=customXml/item2.xml><?xml version="1.0" encoding="utf-8"?>
 <Control xmlns="http://schemas.microsoft.com/VisualStudio/2011/storyboarding/control">
-  <Id Name="System.Storyboarding.Common.DragSelection" Revision="1" Stencil="System.Storyboarding.Common" StencilVersion="0.1"/>
+  <Id Name="System.Storyboarding.Common.TextInput" Revision="1" Stencil="System.Storyboarding.Common" StencilVersion="0.1"/>
 </Control>
 </file>
 
 <file path=customXml/item3.xml><?xml version="1.0" encoding="utf-8"?>
 <Control xmlns="http://schemas.microsoft.com/VisualStudio/2011/storyboarding/control">
-  <Id Name="System.Storyboarding.WindowsApps.WindowsAppsProgressRing" Revision="1" Stencil="System.Storyboarding.WindowsApps" StencilVersion="0.1"/>
+  <Id Name="5e505f8e-b0aa-429a-bb4c-92ab0e8a8ee6" RevisionId="d2083f08-ba4f-4330-87aa-e4d23a4443d7" Stencil="172d6d98-e5c9-42e9-a209-79f7a94bbd38" StencilRevisionId="00000000-0000-0000-0000-000000000000" StencilVersion="0.0"/>
 </Control>
 </file>
 
 <file path=customXml/item4.xml><?xml version="1.0" encoding="utf-8"?>
-<Control xmlns="http://schemas.microsoft.com/VisualStudio/2011/storyboarding/control">
-  <Id Name="System.Storyboarding.Annotation.StickyNote" Revision="1" Stencil="System.Storyboarding.Annotation" StencilVersion="0.1"/>
-</Control>
-</file>
-
-<file path=customXml/item5.xml><?xml version="1.0" encoding="utf-8"?>
 <p:properties xmlns:p="http://schemas.microsoft.com/office/2006/metadata/properties" xmlns:xsi="http://www.w3.org/2001/XMLSchema-instance" xmlns:pc="http://schemas.microsoft.com/office/infopath/2007/PartnerControls">
   <documentManagement>
     <_dlc_DocId xmlns="b4ebf394-daf6-497a-96c5-a2f8c10b38cf">TT6HZDVJM2HV-178-321</_dlc_DocId>
@@ -17672,9 +17814,15 @@
 </p:properties>
 </file>
 
+<file path=customXml/item5.xml><?xml version="1.0" encoding="utf-8"?>
+<Control xmlns="http://schemas.microsoft.com/VisualStudio/2011/storyboarding/control">
+  <Id Name="System.Storyboarding.Annotation.StickyNote" Revision="1" Stencil="System.Storyboarding.Annotation" StencilVersion="0.1"/>
+</Control>
+</file>
+
 <file path=customXml/item6.xml><?xml version="1.0" encoding="utf-8"?>
 <Control xmlns="http://schemas.microsoft.com/VisualStudio/2011/storyboarding/control">
-  <Id Name="5e505f8e-b0aa-429a-bb4c-92ab0e8a8ee6" RevisionId="d2083f08-ba4f-4330-87aa-e4d23a4443d7" Stencil="172d6d98-e5c9-42e9-a209-79f7a94bbd38" StencilRevisionId="00000000-0000-0000-0000-000000000000" StencilVersion="0.0"/>
+  <Id Name="System.Storyboarding.WindowsApps.WindowsAppsProgressRing" Revision="1" Stencil="System.Storyboarding.WindowsApps" StencilVersion="0.1"/>
 </Control>
 </file>
 
@@ -17685,6 +17833,14 @@
 </file>
 
 <file path=customXml/itemProps1.xml><?xml version="1.0" encoding="utf-8"?>
+<ds:datastoreItem xmlns:ds="http://schemas.openxmlformats.org/officeDocument/2006/customXml" ds:itemID="{74F50758-6994-47AF-ADB4-84074E43B95D}">
+  <ds:schemaRefs>
+    <ds:schemaRef ds:uri="http://schemas.microsoft.com/VisualStudio/2011/storyboarding/control"/>
+  </ds:schemaRefs>
+</ds:datastoreItem>
+</file>
+
+<file path=customXml/itemProps2.xml><?xml version="1.0" encoding="utf-8"?>
 <ds:datastoreItem xmlns:ds="http://schemas.openxmlformats.org/officeDocument/2006/customXml" ds:itemID="{195C3A57-25C5-4CAC-A396-8711CE839175}">
   <ds:schemaRefs>
     <ds:schemaRef ds:uri="http://schemas.microsoft.com/VisualStudio/2011/storyboarding/control"/>
@@ -17692,16 +17848,8 @@
 </ds:datastoreItem>
 </file>
 
-<file path=customXml/itemProps2.xml><?xml version="1.0" encoding="utf-8"?>
-<ds:datastoreItem xmlns:ds="http://schemas.openxmlformats.org/officeDocument/2006/customXml" ds:itemID="{74F50758-6994-47AF-ADB4-84074E43B95D}">
-  <ds:schemaRefs>
-    <ds:schemaRef ds:uri="http://schemas.microsoft.com/VisualStudio/2011/storyboarding/control"/>
-  </ds:schemaRefs>
-</ds:datastoreItem>
-</file>
-
 <file path=customXml/itemProps3.xml><?xml version="1.0" encoding="utf-8"?>
-<ds:datastoreItem xmlns:ds="http://schemas.openxmlformats.org/officeDocument/2006/customXml" ds:itemID="{EE994FE8-9D1B-4C75-9803-F4D3D8088B5B}">
+<ds:datastoreItem xmlns:ds="http://schemas.openxmlformats.org/officeDocument/2006/customXml" ds:itemID="{22271091-DDCE-44B5-B608-BB96BCA0C299}">
   <ds:schemaRefs>
     <ds:schemaRef ds:uri="http://schemas.microsoft.com/VisualStudio/2011/storyboarding/control"/>
   </ds:schemaRefs>
@@ -17709,14 +17857,6 @@
 </file>
 
 <file path=customXml/itemProps4.xml><?xml version="1.0" encoding="utf-8"?>
-<ds:datastoreItem xmlns:ds="http://schemas.openxmlformats.org/officeDocument/2006/customXml" ds:itemID="{35CD12A2-2187-402A-B9D9-EF68624DB0B9}">
-  <ds:schemaRefs>
-    <ds:schemaRef ds:uri="http://schemas.microsoft.com/VisualStudio/2011/storyboarding/control"/>
-  </ds:schemaRefs>
-</ds:datastoreItem>
-</file>
-
-<file path=customXml/itemProps5.xml><?xml version="1.0" encoding="utf-8"?>
 <ds:datastoreItem xmlns:ds="http://schemas.openxmlformats.org/officeDocument/2006/customXml" ds:itemID="{1322E1B6-B69B-4B1E-9F64-FFB1E4A65691}">
   <ds:schemaRefs>
     <ds:schemaRef ds:uri="http://schemas.microsoft.com/office/2006/metadata/properties"/>
@@ -17726,8 +17866,16 @@
 </ds:datastoreItem>
 </file>
 
+<file path=customXml/itemProps5.xml><?xml version="1.0" encoding="utf-8"?>
+<ds:datastoreItem xmlns:ds="http://schemas.openxmlformats.org/officeDocument/2006/customXml" ds:itemID="{35CD12A2-2187-402A-B9D9-EF68624DB0B9}">
+  <ds:schemaRefs>
+    <ds:schemaRef ds:uri="http://schemas.microsoft.com/VisualStudio/2011/storyboarding/control"/>
+  </ds:schemaRefs>
+</ds:datastoreItem>
+</file>
+
 <file path=customXml/itemProps6.xml><?xml version="1.0" encoding="utf-8"?>
-<ds:datastoreItem xmlns:ds="http://schemas.openxmlformats.org/officeDocument/2006/customXml" ds:itemID="{22271091-DDCE-44B5-B608-BB96BCA0C299}">
+<ds:datastoreItem xmlns:ds="http://schemas.openxmlformats.org/officeDocument/2006/customXml" ds:itemID="{EE994FE8-9D1B-4C75-9803-F4D3D8088B5B}">
   <ds:schemaRefs>
     <ds:schemaRef ds:uri="http://schemas.microsoft.com/VisualStudio/2011/storyboarding/control"/>
   </ds:schemaRefs>

--- a/2019系统仿真-13- 延迟原理.pptx
+++ b/2019系统仿真-13- 延迟原理.pptx
@@ -5,10 +5,10 @@
     <p:sldMasterId id="2147483648" r:id="rId8"/>
   </p:sldMasterIdLst>
   <p:notesMasterIdLst>
-    <p:notesMasterId r:id="rId29"/>
+    <p:notesMasterId r:id="rId33"/>
   </p:notesMasterIdLst>
   <p:handoutMasterIdLst>
-    <p:handoutMasterId r:id="rId30"/>
+    <p:handoutMasterId r:id="rId34"/>
   </p:handoutMasterIdLst>
   <p:sldIdLst>
     <p:sldId id="256" r:id="rId9"/>
@@ -27,10 +27,14 @@
     <p:sldId id="271" r:id="rId22"/>
     <p:sldId id="270" r:id="rId23"/>
     <p:sldId id="280" r:id="rId24"/>
-    <p:sldId id="257" r:id="rId25"/>
-    <p:sldId id="274" r:id="rId26"/>
-    <p:sldId id="258" r:id="rId27"/>
-    <p:sldId id="259" r:id="rId28"/>
+    <p:sldId id="281" r:id="rId25"/>
+    <p:sldId id="282" r:id="rId26"/>
+    <p:sldId id="264" r:id="rId27"/>
+    <p:sldId id="283" r:id="rId28"/>
+    <p:sldId id="257" r:id="rId29"/>
+    <p:sldId id="274" r:id="rId30"/>
+    <p:sldId id="258" r:id="rId31"/>
+    <p:sldId id="259" r:id="rId32"/>
   </p:sldIdLst>
   <p:sldSz cx="12188825" cy="6858000"/>
   <p:notesSz cx="6858000" cy="9144000"/>
@@ -257,7 +261,7 @@
                 <a:latin typeface="微软雅黑" panose="020B0503020204020204" pitchFamily="34" charset="-122"/>
                 <a:ea typeface="微软雅黑" panose="020B0503020204020204" pitchFamily="34" charset="-122"/>
               </a:rPr>
-              <a:t>2019年4月29日 Monday</a:t>
+              <a:t>2019年5月13日 Monday</a:t>
             </a:fld>
             <a:endParaRPr lang="zh-CN" altLang="en-US" dirty="0">
               <a:latin typeface="微软雅黑" panose="020B0503020204020204" pitchFamily="34" charset="-122"/>
@@ -449,7 +453,7 @@
             <a:fld id="{07D6BDDC-F39A-4E16-93D6-E40B88AA6D58}" type="datetime2">
               <a:rPr lang="zh-CN" altLang="en-US" smtClean="0"/>
               <a:pPr/>
-              <a:t>2019年4月29日 Monday</a:t>
+              <a:t>2019年5月13日 Monday</a:t>
             </a:fld>
             <a:endParaRPr lang="zh-CN" altLang="en-US" dirty="0"/>
           </a:p>
@@ -1767,7 +1771,7 @@
             <a:fld id="{4947C3F0-2957-4D41-9FB7-182757A04D67}" type="datetime2">
               <a:rPr lang="zh-CN" altLang="en-US" smtClean="0"/>
               <a:pPr/>
-              <a:t>2019年4月29日 Monday</a:t>
+              <a:t>2019年5月13日 Monday</a:t>
             </a:fld>
             <a:endParaRPr lang="zh-CN" altLang="en-US" dirty="0"/>
           </a:p>
@@ -2000,7 +2004,7 @@
             <a:fld id="{8DF8E148-EC1F-43A2-8C9E-1F57F6D08A76}" type="datetime2">
               <a:rPr lang="zh-CN" altLang="en-US" smtClean="0"/>
               <a:pPr/>
-              <a:t>2019年4月29日 Monday</a:t>
+              <a:t>2019年5月13日 Monday</a:t>
             </a:fld>
             <a:endParaRPr lang="zh-CN" altLang="en-US" dirty="0"/>
           </a:p>
@@ -2883,7 +2887,7 @@
             <a:fld id="{FB7B4C11-1E14-4887-9E78-A9346EC068F1}" type="datetime2">
               <a:rPr lang="zh-CN" altLang="en-US" smtClean="0"/>
               <a:pPr/>
-              <a:t>2019年4月29日 Monday</a:t>
+              <a:t>2019年5月13日 Monday</a:t>
             </a:fld>
             <a:endParaRPr lang="zh-CN" altLang="en-US" dirty="0"/>
           </a:p>
@@ -3142,7 +3146,7 @@
             <a:fld id="{86FD5D46-E987-42B2-B42C-B8920598FADE}" type="datetime2">
               <a:rPr lang="zh-CN" altLang="en-US" smtClean="0"/>
               <a:pPr/>
-              <a:t>2019年4月29日 Monday</a:t>
+              <a:t>2019年5月13日 Monday</a:t>
             </a:fld>
             <a:endParaRPr lang="zh-CN" altLang="en-US" dirty="0"/>
           </a:p>
@@ -4469,7 +4473,7 @@
             <a:fld id="{8365F240-A7EF-41C8-A85B-C448CF84B5E5}" type="datetime2">
               <a:rPr lang="zh-CN" altLang="en-US" smtClean="0"/>
               <a:pPr/>
-              <a:t>2019年4月29日 Monday</a:t>
+              <a:t>2019年5月13日 Monday</a:t>
             </a:fld>
             <a:endParaRPr lang="zh-CN" altLang="en-US" dirty="0"/>
           </a:p>
@@ -4804,7 +4808,7 @@
             <a:fld id="{F770B30E-8728-44DB-AEE3-E4A75AEDBBD9}" type="datetime2">
               <a:rPr lang="zh-CN" altLang="en-US" smtClean="0"/>
               <a:pPr/>
-              <a:t>2019年4月29日 Monday</a:t>
+              <a:t>2019年5月13日 Monday</a:t>
             </a:fld>
             <a:endParaRPr lang="zh-CN" altLang="en-US" dirty="0"/>
           </a:p>
@@ -5305,7 +5309,7 @@
             <a:fld id="{680BCF82-A51A-4389-A573-378AD02C5141}" type="datetime2">
               <a:rPr lang="zh-CN" altLang="en-US" smtClean="0"/>
               <a:pPr/>
-              <a:t>2019年4月29日 Monday</a:t>
+              <a:t>2019年5月13日 Monday</a:t>
             </a:fld>
             <a:endParaRPr lang="zh-CN" altLang="en-US" dirty="0"/>
           </a:p>
@@ -5460,7 +5464,7 @@
             <a:fld id="{CE03A716-E3DC-4D9D-823C-60FCD8C9B163}" type="datetime2">
               <a:rPr lang="zh-CN" altLang="en-US" smtClean="0"/>
               <a:pPr/>
-              <a:t>2019年4月29日 Monday</a:t>
+              <a:t>2019年5月13日 Monday</a:t>
             </a:fld>
             <a:endParaRPr lang="zh-CN" altLang="en-US" dirty="0"/>
           </a:p>
@@ -5820,7 +5824,7 @@
             <a:fld id="{C16B8A94-44E5-4844-A22C-F796FCAA90D9}" type="datetime2">
               <a:rPr lang="zh-CN" altLang="en-US" smtClean="0"/>
               <a:pPr/>
-              <a:t>2019年4月29日 Monday</a:t>
+              <a:t>2019年5月13日 Monday</a:t>
             </a:fld>
             <a:endParaRPr lang="zh-CN" altLang="en-US" dirty="0"/>
           </a:p>
@@ -6362,7 +6366,7 @@
             <a:fld id="{F288B2AC-AC0A-4E49-82A3-94EE74FA7FBF}" type="datetime2">
               <a:rPr lang="zh-CN" altLang="en-US" smtClean="0"/>
               <a:pPr/>
-              <a:t>2019年4月29日 Monday</a:t>
+              <a:t>2019年5月13日 Monday</a:t>
             </a:fld>
             <a:endParaRPr lang="zh-CN" altLang="en-US" dirty="0"/>
           </a:p>
@@ -6848,7 +6852,7 @@
             <a:fld id="{1878E339-1BD2-4FEE-A113-9A0301740CF6}" type="datetime2">
               <a:rPr lang="zh-CN" altLang="en-US" smtClean="0"/>
               <a:pPr/>
-              <a:t>2019年4月29日 Monday</a:t>
+              <a:t>2019年5月13日 Monday</a:t>
             </a:fld>
             <a:endParaRPr lang="zh-CN" altLang="en-US" dirty="0"/>
           </a:p>
@@ -7772,7 +7776,7 @@
             <a:fld id="{A339CB27-C670-4AAB-948C-7E3D1D9FAE30}" type="datetime2">
               <a:rPr lang="zh-CN" altLang="en-US" smtClean="0"/>
               <a:pPr/>
-              <a:t>2019年4月29日 Monday</a:t>
+              <a:t>2019年5月13日 Monday</a:t>
             </a:fld>
             <a:endParaRPr lang="zh-CN" altLang="en-US" dirty="0"/>
           </a:p>
@@ -12478,39 +12482,135 @@
           <a:p>
             <a:r>
               <a:rPr lang="zh-CN" altLang="en-US" dirty="0"/>
-              <a:t>物质延迟和信息延迟的关系</a:t>
+              <a:t>延迟函数的使用</a:t>
+            </a:r>
+          </a:p>
+        </p:txBody>
+      </p:sp>
+      <p:pic>
+        <p:nvPicPr>
+          <p:cNvPr id="4" name="图片 3"/>
+          <p:cNvPicPr>
+            <a:picLocks noChangeAspect="1"/>
+          </p:cNvPicPr>
+          <p:nvPr/>
+        </p:nvPicPr>
+        <p:blipFill>
+          <a:blip r:embed="rId2"/>
+          <a:stretch>
+            <a:fillRect/>
+          </a:stretch>
+        </p:blipFill>
+        <p:spPr>
+          <a:xfrm>
+            <a:off x="6886500" y="2276872"/>
+            <a:ext cx="3667411" cy="1920720"/>
+          </a:xfrm>
+          <a:prstGeom prst="rect">
+            <a:avLst/>
+          </a:prstGeom>
+        </p:spPr>
+      </p:pic>
+      <p:sp>
+        <p:nvSpPr>
+          <p:cNvPr id="5" name="标题 1">
+            <a:extLst>
+              <a:ext uri="{FF2B5EF4-FFF2-40B4-BE49-F238E27FC236}">
+                <a16:creationId xmlns:a16="http://schemas.microsoft.com/office/drawing/2014/main" id="{40C2094A-78FE-C343-96AB-DDA18C42CFE7}"/>
+              </a:ext>
+            </a:extLst>
+          </p:cNvPr>
+          <p:cNvSpPr txBox="1">
+            <a:spLocks/>
+          </p:cNvSpPr>
+          <p:nvPr/>
+        </p:nvSpPr>
+        <p:spPr>
+          <a:xfrm>
+            <a:off x="1773932" y="3429000"/>
+            <a:ext cx="9782801" cy="1239837"/>
+          </a:xfrm>
+          <a:prstGeom prst="rect">
+            <a:avLst/>
+          </a:prstGeom>
+        </p:spPr>
+        <p:txBody>
+          <a:bodyPr vert="horz" lIns="91440" tIns="45720" rIns="91440" bIns="45720" rtlCol="0" anchor="b">
+            <a:normAutofit/>
+          </a:bodyPr>
+          <a:lstStyle>
+            <a:lvl1pPr algn="l" defTabSz="914400" rtl="0" eaLnBrk="1" latinLnBrk="0" hangingPunct="1">
+              <a:lnSpc>
+                <a:spcPct val="90000"/>
+              </a:lnSpc>
+              <a:spcBef>
+                <a:spcPct val="0"/>
+              </a:spcBef>
+              <a:buNone/>
+              <a:defRPr sz="3600" kern="1200">
+                <a:solidFill>
+                  <a:schemeClr val="tx1">
+                    <a:lumMod val="75000"/>
+                  </a:schemeClr>
+                </a:solidFill>
+                <a:latin typeface="微软雅黑" panose="020B0503020204020204" pitchFamily="34" charset="-122"/>
+                <a:ea typeface="微软雅黑" panose="020B0503020204020204" pitchFamily="34" charset="-122"/>
+                <a:cs typeface="+mj-cs"/>
+              </a:defRPr>
+            </a:lvl1pPr>
+          </a:lstStyle>
+          <a:p>
+            <a:r>
+              <a:rPr lang="zh-CN" altLang="en-US" sz="3200" dirty="0"/>
+              <a:t>物料延迟的函数</a:t>
+            </a:r>
+            <a:endParaRPr lang="en-US" altLang="zh-CN" sz="3200" dirty="0"/>
+          </a:p>
+          <a:p>
+            <a:r>
+              <a:rPr lang="en-US" altLang="zh-CN" sz="2800" dirty="0"/>
+              <a:t>DELAY1</a:t>
             </a:r>
           </a:p>
         </p:txBody>
       </p:sp>
       <p:sp>
         <p:nvSpPr>
-          <p:cNvPr id="3" name="内容占位符 2"/>
-          <p:cNvSpPr>
-            <a:spLocks noGrp="1"/>
-          </p:cNvSpPr>
-          <p:nvPr>
-            <p:ph idx="1"/>
-          </p:nvPr>
+          <p:cNvPr id="6" name="矩形 5">
+            <a:extLst>
+              <a:ext uri="{FF2B5EF4-FFF2-40B4-BE49-F238E27FC236}">
+                <a16:creationId xmlns:a16="http://schemas.microsoft.com/office/drawing/2014/main" id="{B73F67E6-6E9B-F442-836E-E2124742394D}"/>
+              </a:ext>
+            </a:extLst>
+          </p:cNvPr>
+          <p:cNvSpPr/>
+          <p:nvPr/>
         </p:nvSpPr>
-        <p:spPr/>
+        <p:spPr>
+          <a:xfrm>
+            <a:off x="1773932" y="1776987"/>
+            <a:ext cx="6092825" cy="954107"/>
+          </a:xfrm>
+          <a:prstGeom prst="rect">
+            <a:avLst/>
+          </a:prstGeom>
+        </p:spPr>
         <p:txBody>
-          <a:bodyPr/>
+          <a:bodyPr>
+            <a:spAutoFit/>
+          </a:bodyPr>
           <a:lstStyle/>
           <a:p>
             <a:r>
-              <a:rPr lang="zh-CN" altLang="en-US" dirty="0"/>
-              <a:t>课本</a:t>
-            </a:r>
-            <a:r>
-              <a:rPr lang="en-US" altLang="zh-CN" dirty="0"/>
-              <a:t>P137	</a:t>
-            </a:r>
-          </a:p>
-          <a:p>
-            <a:r>
-              <a:rPr lang="zh-CN" altLang="en-US" dirty="0"/>
-              <a:t>假设物质延迟和信息延迟的延迟时间相等且为常数，这两个延迟的输出是一样的</a:t>
+              <a:rPr lang="zh-CN" altLang="en-US" sz="3200" dirty="0"/>
+              <a:t>信息延迟等效于指数平滑函数</a:t>
+            </a:r>
+            <a:endParaRPr lang="en-US" altLang="zh-CN" sz="3200" dirty="0"/>
+          </a:p>
+          <a:p>
+            <a:r>
+              <a:rPr lang="en-US" altLang="zh-CN" sz="2400" dirty="0"/>
+              <a:t>SMOOTH1</a:t>
             </a:r>
           </a:p>
         </p:txBody>
@@ -12518,7 +12618,7 @@
     </p:spTree>
     <p:extLst>
       <p:ext uri="{BB962C8B-B14F-4D97-AF65-F5344CB8AC3E}">
-        <p14:creationId xmlns:p14="http://schemas.microsoft.com/office/powerpoint/2010/main" val="2805016597"/>
+        <p14:creationId xmlns:p14="http://schemas.microsoft.com/office/powerpoint/2010/main" val="1671724568"/>
       </p:ext>
     </p:extLst>
   </p:cSld>
@@ -12574,7 +12674,7 @@
           <a:p>
             <a:r>
               <a:rPr lang="zh-CN" altLang="en-US" dirty="0"/>
-              <a:t>延迟与振荡的关系</a:t>
+              <a:t>信息延迟的作用</a:t>
             </a:r>
           </a:p>
         </p:txBody>
@@ -12589,64 +12689,26 @@
             <p:ph idx="1"/>
           </p:nvPr>
         </p:nvSpPr>
-        <p:spPr/>
+        <p:spPr>
+          <a:xfrm>
+            <a:off x="1593437" y="1600200"/>
+            <a:ext cx="4717000" cy="4572000"/>
+          </a:xfrm>
+        </p:spPr>
         <p:txBody>
           <a:bodyPr/>
           <a:lstStyle/>
           <a:p>
             <a:r>
               <a:rPr lang="zh-CN" altLang="en-US" dirty="0"/>
-              <a:t>带有时间延迟的负反馈</a:t>
+              <a:t>信息延迟在管理系统中模仿了人们对事物变化的感知变化，即期望</a:t>
             </a:r>
             <a:endParaRPr lang="en-US" altLang="zh-CN" dirty="0"/>
           </a:p>
           <a:p>
-            <a:pPr marL="365760" lvl="1" indent="0">
-              <a:buNone/>
-            </a:pPr>
             <a:r>
               <a:rPr lang="zh-CN" altLang="en-US" dirty="0"/>
-              <a:t>无延迟状态：差异产生</a:t>
-            </a:r>
-            <a:r>
-              <a:rPr lang="en-US" altLang="zh-CN" dirty="0">
-                <a:sym typeface="Wingdings" panose="05000000000000000000" pitchFamily="2" charset="2"/>
-              </a:rPr>
-              <a:t></a:t>
-            </a:r>
-            <a:r>
-              <a:rPr lang="zh-CN" altLang="en-US" dirty="0">
-                <a:sym typeface="Wingdings" panose="05000000000000000000" pitchFamily="2" charset="2"/>
-              </a:rPr>
-              <a:t>对比期望</a:t>
-            </a:r>
-            <a:r>
-              <a:rPr lang="en-US" altLang="zh-CN" dirty="0">
-                <a:sym typeface="Wingdings" panose="05000000000000000000" pitchFamily="2" charset="2"/>
-              </a:rPr>
-              <a:t></a:t>
-            </a:r>
-            <a:r>
-              <a:rPr lang="zh-CN" altLang="en-US" dirty="0">
-                <a:sym typeface="Wingdings" panose="05000000000000000000" pitchFamily="2" charset="2"/>
-              </a:rPr>
-              <a:t>调整系统状态</a:t>
-            </a:r>
-            <a:endParaRPr lang="en-US" altLang="zh-CN" dirty="0"/>
-          </a:p>
-          <a:p>
-            <a:pPr marL="365760" lvl="1" indent="0">
-              <a:buNone/>
-            </a:pPr>
-            <a:endParaRPr lang="en-US" altLang="zh-CN" dirty="0"/>
-          </a:p>
-          <a:p>
-            <a:pPr marL="365760" lvl="1" indent="0">
-              <a:buNone/>
-            </a:pPr>
-            <a:r>
-              <a:rPr lang="zh-CN" altLang="en-US" dirty="0"/>
-              <a:t>有延迟状态：？</a:t>
+              <a:t>右图所示的库存和销售系统中，随着发货率的变化，经过一次指数平滑处理后模仿人们对变化的事物的期望</a:t>
             </a:r>
           </a:p>
         </p:txBody>
@@ -12667,51 +12729,18 @@
         </p:blipFill>
         <p:spPr>
           <a:xfrm>
-            <a:off x="6598468" y="3041156"/>
-            <a:ext cx="5121453" cy="2148163"/>
+            <a:off x="6094411" y="1846822"/>
+            <a:ext cx="6094413" cy="4325378"/>
           </a:xfrm>
           <a:prstGeom prst="rect">
             <a:avLst/>
           </a:prstGeom>
         </p:spPr>
       </p:pic>
-      <p:sp>
-        <p:nvSpPr>
-          <p:cNvPr id="5" name="文本框 4"/>
-          <p:cNvSpPr txBox="1"/>
-          <p:nvPr/>
-        </p:nvSpPr>
-        <p:spPr>
-          <a:xfrm>
-            <a:off x="1569467" y="4803152"/>
-            <a:ext cx="3416320" cy="369332"/>
-          </a:xfrm>
-          <a:prstGeom prst="rect">
-            <a:avLst/>
-          </a:prstGeom>
-          <a:noFill/>
-        </p:spPr>
-        <p:txBody>
-          <a:bodyPr wrap="none" rtlCol="0">
-            <a:spAutoFit/>
-          </a:bodyPr>
-          <a:lstStyle/>
-          <a:p>
-            <a:r>
-              <a:rPr lang="zh-CN" altLang="en-US" dirty="0">
-                <a:solidFill>
-                  <a:srgbClr val="7030A0"/>
-                </a:solidFill>
-              </a:rPr>
-              <a:t>延迟是系统产生振荡的必要条件</a:t>
-            </a:r>
-          </a:p>
-        </p:txBody>
-      </p:sp>
     </p:spTree>
     <p:extLst>
       <p:ext uri="{BB962C8B-B14F-4D97-AF65-F5344CB8AC3E}">
-        <p14:creationId xmlns:p14="http://schemas.microsoft.com/office/powerpoint/2010/main" val="1938869087"/>
+        <p14:creationId xmlns:p14="http://schemas.microsoft.com/office/powerpoint/2010/main" val="1756446452"/>
       </p:ext>
     </p:extLst>
   </p:cSld>
@@ -12730,92 +12759,6 @@
       </p:transition>
     </mc:Fallback>
   </mc:AlternateContent>
-  <p:timing>
-    <p:tnLst>
-      <p:par>
-        <p:cTn id="1" dur="indefinite" restart="never" nodeType="tmRoot">
-          <p:childTnLst>
-            <p:seq concurrent="1" nextAc="seek">
-              <p:cTn id="2" dur="indefinite" nodeType="mainSeq">
-                <p:childTnLst>
-                  <p:par>
-                    <p:cTn id="3" fill="hold">
-                      <p:stCondLst>
-                        <p:cond delay="indefinite"/>
-                      </p:stCondLst>
-                      <p:childTnLst>
-                        <p:par>
-                          <p:cTn id="4" fill="hold">
-                            <p:stCondLst>
-                              <p:cond delay="0"/>
-                            </p:stCondLst>
-                            <p:childTnLst>
-                              <p:par>
-                                <p:cTn id="5" presetID="10" presetClass="entr" presetSubtype="0" fill="hold" grpId="0" nodeType="clickEffect">
-                                  <p:stCondLst>
-                                    <p:cond delay="0"/>
-                                  </p:stCondLst>
-                                  <p:childTnLst>
-                                    <p:set>
-                                      <p:cBhvr>
-                                        <p:cTn id="6" dur="1" fill="hold">
-                                          <p:stCondLst>
-                                            <p:cond delay="0"/>
-                                          </p:stCondLst>
-                                        </p:cTn>
-                                        <p:tgtEl>
-                                          <p:spTgt spid="5"/>
-                                        </p:tgtEl>
-                                        <p:attrNameLst>
-                                          <p:attrName>style.visibility</p:attrName>
-                                        </p:attrNameLst>
-                                      </p:cBhvr>
-                                      <p:to>
-                                        <p:strVal val="visible"/>
-                                      </p:to>
-                                    </p:set>
-                                    <p:animEffect transition="in" filter="fade">
-                                      <p:cBhvr>
-                                        <p:cTn id="7" dur="500"/>
-                                        <p:tgtEl>
-                                          <p:spTgt spid="5"/>
-                                        </p:tgtEl>
-                                      </p:cBhvr>
-                                    </p:animEffect>
-                                  </p:childTnLst>
-                                </p:cTn>
-                              </p:par>
-                            </p:childTnLst>
-                          </p:cTn>
-                        </p:par>
-                      </p:childTnLst>
-                    </p:cTn>
-                  </p:par>
-                </p:childTnLst>
-              </p:cTn>
-              <p:prevCondLst>
-                <p:cond evt="onPrev" delay="0">
-                  <p:tgtEl>
-                    <p:sldTgt/>
-                  </p:tgtEl>
-                </p:cond>
-              </p:prevCondLst>
-              <p:nextCondLst>
-                <p:cond evt="onNext" delay="0">
-                  <p:tgtEl>
-                    <p:sldTgt/>
-                  </p:tgtEl>
-                </p:cond>
-              </p:nextCondLst>
-            </p:seq>
-          </p:childTnLst>
-        </p:cTn>
-      </p:par>
-    </p:tnLst>
-    <p:bldLst>
-      <p:bldP spid="5" grpId="0"/>
-    </p:bldLst>
-  </p:timing>
 </p:sld>
 </file>
 
@@ -12853,72 +12796,326 @@
           <a:p>
             <a:r>
               <a:rPr lang="zh-CN" altLang="en-US" dirty="0"/>
-              <a:t>啤酒游戏中供应链为什么产生反复振荡</a:t>
+              <a:t>案例模型的方程</a:t>
             </a:r>
           </a:p>
         </p:txBody>
       </p:sp>
+      <p:pic>
+        <p:nvPicPr>
+          <p:cNvPr id="4" name="图片 3"/>
+          <p:cNvPicPr>
+            <a:picLocks noChangeAspect="1"/>
+          </p:cNvPicPr>
+          <p:nvPr/>
+        </p:nvPicPr>
+        <p:blipFill>
+          <a:blip r:embed="rId2"/>
+          <a:stretch>
+            <a:fillRect/>
+          </a:stretch>
+        </p:blipFill>
+        <p:spPr>
+          <a:xfrm>
+            <a:off x="1413892" y="1844824"/>
+            <a:ext cx="7004262" cy="4784452"/>
+          </a:xfrm>
+          <a:prstGeom prst="rect">
+            <a:avLst/>
+          </a:prstGeom>
+        </p:spPr>
+      </p:pic>
       <p:sp>
         <p:nvSpPr>
-          <p:cNvPr id="3" name="内容占位符 2"/>
-          <p:cNvSpPr>
-            <a:spLocks noGrp="1"/>
+          <p:cNvPr id="5" name="内容占位符 2"/>
+          <p:cNvSpPr txBox="1">
+            <a:spLocks/>
           </p:cNvSpPr>
-          <p:nvPr>
-            <p:ph idx="1"/>
-          </p:nvPr>
+          <p:nvPr/>
         </p:nvSpPr>
-        <p:spPr/>
+        <p:spPr>
+          <a:xfrm>
+            <a:off x="7174532" y="1662261"/>
+            <a:ext cx="4464497" cy="4572000"/>
+          </a:xfrm>
+          <a:prstGeom prst="rect">
+            <a:avLst/>
+          </a:prstGeom>
+        </p:spPr>
         <p:txBody>
-          <a:bodyPr/>
-          <a:lstStyle/>
-          <a:p>
-            <a:r>
-              <a:rPr lang="zh-CN" altLang="en-US" dirty="0"/>
-              <a:t>上个世纪</a:t>
-            </a:r>
-            <a:r>
-              <a:rPr lang="en-US" altLang="zh-CN" dirty="0"/>
-              <a:t>60</a:t>
-            </a:r>
-            <a:r>
-              <a:rPr lang="zh-CN" altLang="en-US" dirty="0"/>
-              <a:t>年代初，</a:t>
-            </a:r>
-            <a:r>
-              <a:rPr lang="en-US" altLang="zh-CN" dirty="0"/>
-              <a:t>Jay </a:t>
-            </a:r>
-            <a:r>
-              <a:rPr lang="en-US" altLang="zh-CN" dirty="0" err="1"/>
-              <a:t>Forrrester</a:t>
-            </a:r>
-            <a:r>
-              <a:rPr lang="zh-CN" altLang="en-US" dirty="0"/>
-              <a:t>在</a:t>
-            </a:r>
-            <a:r>
-              <a:rPr lang="en-US" altLang="zh-CN" dirty="0"/>
-              <a:t>Sloan</a:t>
-            </a:r>
-            <a:r>
-              <a:rPr lang="zh-CN" altLang="en-US" dirty="0"/>
-              <a:t>商学院时发明一套啤酒分销游戏，向学习管理的学生介绍供应链和系统动力学仿真的概念。</a:t>
-            </a:r>
-            <a:endParaRPr lang="en-US" altLang="zh-CN" dirty="0"/>
-          </a:p>
-          <a:p>
-            <a:r>
-              <a:rPr lang="zh-CN" altLang="en-US" dirty="0"/>
-              <a:t>啤酒系统中包括四个部门：零售商，批发商，分销商和工厂，每个游戏者管理一个部门，每周消费者从零售商手里购买啤酒，零售商用库存满足他们的需求，然后向批发商订购啤酒，批发商从自己库存供应给零售商，同样的，批发商向分销商订购和获得啤酒，而供应商则从工厂订购，工厂负责制作啤酒。</a:t>
-            </a:r>
+          <a:bodyPr vert="horz" lIns="91440" tIns="45720" rIns="91440" bIns="45720" rtlCol="0">
+            <a:normAutofit fontScale="85000" lnSpcReduction="20000"/>
+          </a:bodyPr>
+          <a:lstStyle>
+            <a:lvl1pPr marL="246888" indent="-246888" algn="l" defTabSz="914400" rtl="0" eaLnBrk="1" latinLnBrk="0" hangingPunct="1">
+              <a:lnSpc>
+                <a:spcPct val="90000"/>
+              </a:lnSpc>
+              <a:spcBef>
+                <a:spcPts val="1400"/>
+              </a:spcBef>
+              <a:buFont typeface="Euphemia" pitchFamily="34" charset="0"/>
+              <a:buChar char="›"/>
+              <a:defRPr sz="2800" kern="1200">
+                <a:solidFill>
+                  <a:schemeClr val="tx1"/>
+                </a:solidFill>
+                <a:latin typeface="微软雅黑" panose="020B0503020204020204" pitchFamily="34" charset="-122"/>
+                <a:ea typeface="微软雅黑" panose="020B0503020204020204" pitchFamily="34" charset="-122"/>
+                <a:cs typeface="+mn-cs"/>
+              </a:defRPr>
+            </a:lvl1pPr>
+            <a:lvl2pPr marL="612648" indent="-246888" algn="l" defTabSz="914400" rtl="0" eaLnBrk="1" latinLnBrk="0" hangingPunct="1">
+              <a:lnSpc>
+                <a:spcPct val="90000"/>
+              </a:lnSpc>
+              <a:spcBef>
+                <a:spcPts val="600"/>
+              </a:spcBef>
+              <a:buFont typeface="Euphemia" pitchFamily="34" charset="0"/>
+              <a:buChar char="–"/>
+              <a:defRPr sz="2400" kern="1200">
+                <a:solidFill>
+                  <a:schemeClr val="tx1"/>
+                </a:solidFill>
+                <a:latin typeface="微软雅黑" panose="020B0503020204020204" pitchFamily="34" charset="-122"/>
+                <a:ea typeface="微软雅黑" panose="020B0503020204020204" pitchFamily="34" charset="-122"/>
+                <a:cs typeface="+mn-cs"/>
+              </a:defRPr>
+            </a:lvl2pPr>
+            <a:lvl3pPr marL="978408" indent="-246888" algn="l" defTabSz="914400" rtl="0" eaLnBrk="1" latinLnBrk="0" hangingPunct="1">
+              <a:lnSpc>
+                <a:spcPct val="90000"/>
+              </a:lnSpc>
+              <a:spcBef>
+                <a:spcPts val="600"/>
+              </a:spcBef>
+              <a:buFont typeface="Euphemia" pitchFamily="34" charset="0"/>
+              <a:buChar char="›"/>
+              <a:defRPr sz="2000" kern="1200">
+                <a:solidFill>
+                  <a:schemeClr val="tx1"/>
+                </a:solidFill>
+                <a:latin typeface="微软雅黑" panose="020B0503020204020204" pitchFamily="34" charset="-122"/>
+                <a:ea typeface="微软雅黑" panose="020B0503020204020204" pitchFamily="34" charset="-122"/>
+                <a:cs typeface="+mn-cs"/>
+              </a:defRPr>
+            </a:lvl3pPr>
+            <a:lvl4pPr marL="1344168" indent="-246888" algn="l" defTabSz="914400" rtl="0" eaLnBrk="1" latinLnBrk="0" hangingPunct="1">
+              <a:lnSpc>
+                <a:spcPct val="90000"/>
+              </a:lnSpc>
+              <a:spcBef>
+                <a:spcPts val="600"/>
+              </a:spcBef>
+              <a:buFont typeface="Arial" pitchFamily="34" charset="0"/>
+              <a:buChar char="–"/>
+              <a:defRPr sz="1800" kern="1200">
+                <a:solidFill>
+                  <a:schemeClr val="tx1"/>
+                </a:solidFill>
+                <a:latin typeface="微软雅黑" panose="020B0503020204020204" pitchFamily="34" charset="-122"/>
+                <a:ea typeface="微软雅黑" panose="020B0503020204020204" pitchFamily="34" charset="-122"/>
+                <a:cs typeface="+mn-cs"/>
+              </a:defRPr>
+            </a:lvl4pPr>
+            <a:lvl5pPr marL="1709928" indent="-246888" algn="l" defTabSz="914400" rtl="0" eaLnBrk="1" latinLnBrk="0" hangingPunct="1">
+              <a:lnSpc>
+                <a:spcPct val="90000"/>
+              </a:lnSpc>
+              <a:spcBef>
+                <a:spcPts val="600"/>
+              </a:spcBef>
+              <a:buFont typeface="Euphemia" pitchFamily="34" charset="0"/>
+              <a:buChar char="›"/>
+              <a:defRPr sz="1800" kern="1200">
+                <a:solidFill>
+                  <a:schemeClr val="tx1"/>
+                </a:solidFill>
+                <a:latin typeface="微软雅黑" panose="020B0503020204020204" pitchFamily="34" charset="-122"/>
+                <a:ea typeface="微软雅黑" panose="020B0503020204020204" pitchFamily="34" charset="-122"/>
+                <a:cs typeface="+mn-cs"/>
+              </a:defRPr>
+            </a:lvl5pPr>
+            <a:lvl6pPr marL="2075688" indent="-246888" algn="l" defTabSz="914400" rtl="0" eaLnBrk="1" latinLnBrk="0" hangingPunct="1">
+              <a:lnSpc>
+                <a:spcPct val="90000"/>
+              </a:lnSpc>
+              <a:spcBef>
+                <a:spcPts val="600"/>
+              </a:spcBef>
+              <a:buFont typeface="Euphemia" pitchFamily="34" charset="0"/>
+              <a:buChar char="–"/>
+              <a:defRPr sz="1800" kern="1200">
+                <a:solidFill>
+                  <a:schemeClr val="tx1"/>
+                </a:solidFill>
+                <a:latin typeface="+mn-lt"/>
+                <a:ea typeface="+mn-ea"/>
+                <a:cs typeface="+mn-cs"/>
+              </a:defRPr>
+            </a:lvl6pPr>
+            <a:lvl7pPr marL="2441448" indent="-246888" algn="l" defTabSz="914400" rtl="0" eaLnBrk="1" latinLnBrk="0" hangingPunct="1">
+              <a:lnSpc>
+                <a:spcPct val="90000"/>
+              </a:lnSpc>
+              <a:spcBef>
+                <a:spcPts val="600"/>
+              </a:spcBef>
+              <a:buFont typeface="Euphemia" pitchFamily="34" charset="0"/>
+              <a:buChar char="›"/>
+              <a:defRPr sz="1800" kern="1200">
+                <a:solidFill>
+                  <a:schemeClr val="tx1"/>
+                </a:solidFill>
+                <a:latin typeface="+mn-lt"/>
+                <a:ea typeface="+mn-ea"/>
+                <a:cs typeface="+mn-cs"/>
+              </a:defRPr>
+            </a:lvl7pPr>
+            <a:lvl8pPr marL="2807208" indent="-246888" algn="l" defTabSz="914400" rtl="0" eaLnBrk="1" latinLnBrk="0" hangingPunct="1">
+              <a:lnSpc>
+                <a:spcPct val="90000"/>
+              </a:lnSpc>
+              <a:spcBef>
+                <a:spcPts val="600"/>
+              </a:spcBef>
+              <a:buFont typeface="Euphemia" pitchFamily="34" charset="0"/>
+              <a:buChar char="–"/>
+              <a:defRPr sz="1800" kern="1200" baseline="0">
+                <a:solidFill>
+                  <a:schemeClr val="tx1"/>
+                </a:solidFill>
+                <a:latin typeface="+mn-lt"/>
+                <a:ea typeface="+mn-ea"/>
+                <a:cs typeface="+mn-cs"/>
+              </a:defRPr>
+            </a:lvl8pPr>
+            <a:lvl9pPr marL="3172968" indent="-246888" algn="l" defTabSz="914400" rtl="0" eaLnBrk="1" latinLnBrk="0" hangingPunct="1">
+              <a:lnSpc>
+                <a:spcPct val="90000"/>
+              </a:lnSpc>
+              <a:spcBef>
+                <a:spcPts val="600"/>
+              </a:spcBef>
+              <a:buFont typeface="Euphemia" pitchFamily="34" charset="0"/>
+              <a:buChar char="›"/>
+              <a:defRPr sz="1800" kern="1200" baseline="0">
+                <a:solidFill>
+                  <a:schemeClr val="tx1"/>
+                </a:solidFill>
+                <a:latin typeface="+mn-lt"/>
+                <a:ea typeface="+mn-ea"/>
+                <a:cs typeface="+mn-cs"/>
+              </a:defRPr>
+            </a:lvl9pPr>
+          </a:lstStyle>
+          <a:p>
+            <a:pPr marL="0" indent="0">
+              <a:buNone/>
+            </a:pPr>
+            <a:r>
+              <a:rPr lang="en-US" altLang="zh-CN" sz="2400" dirty="0"/>
+              <a:t>INV=INTEG(ORDERS-SHIP,300)</a:t>
+            </a:r>
+          </a:p>
+          <a:p>
+            <a:pPr marL="0" indent="0">
+              <a:buNone/>
+            </a:pPr>
+            <a:r>
+              <a:rPr lang="en-US" altLang="zh-CN" sz="2400" dirty="0"/>
+              <a:t>ORDERS=DELAY3(INVADJ+AVSHIP,DEL)</a:t>
+            </a:r>
+          </a:p>
+          <a:p>
+            <a:pPr marL="0" indent="0">
+              <a:buNone/>
+            </a:pPr>
+            <a:r>
+              <a:rPr lang="en-US" altLang="zh-CN" sz="2400" dirty="0"/>
+              <a:t>SHIP=NSHIP+TEST</a:t>
+            </a:r>
+          </a:p>
+          <a:p>
+            <a:pPr marL="0" indent="0">
+              <a:buNone/>
+            </a:pPr>
+            <a:r>
+              <a:rPr lang="en-US" altLang="zh-CN" sz="2400" dirty="0"/>
+              <a:t>INVADJ=(DSINV-INV)/LAT</a:t>
+            </a:r>
+          </a:p>
+          <a:p>
+            <a:pPr marL="0" indent="0">
+              <a:buNone/>
+            </a:pPr>
+            <a:r>
+              <a:rPr lang="en-US" altLang="zh-CN" sz="2400" dirty="0"/>
+              <a:t>DSINV=DIC*NSHIP</a:t>
+            </a:r>
+          </a:p>
+          <a:p>
+            <a:pPr marL="0" indent="0">
+              <a:buNone/>
+            </a:pPr>
+            <a:r>
+              <a:rPr lang="en-US" altLang="zh-CN" sz="2400" dirty="0"/>
+              <a:t>AVSHIP=SMOOTH(SHIP,TAS)</a:t>
+            </a:r>
+          </a:p>
+          <a:p>
+            <a:pPr marL="0" indent="0">
+              <a:buNone/>
+            </a:pPr>
+            <a:r>
+              <a:rPr lang="en-US" altLang="zh-CN" sz="2400" dirty="0"/>
+              <a:t>NSHIP=100</a:t>
+            </a:r>
+          </a:p>
+          <a:p>
+            <a:pPr marL="0" indent="0">
+              <a:buNone/>
+            </a:pPr>
+            <a:r>
+              <a:rPr lang="en-US" altLang="zh-CN" sz="2400" dirty="0"/>
+              <a:t>DEL=3</a:t>
+            </a:r>
+          </a:p>
+          <a:p>
+            <a:pPr marL="0" indent="0">
+              <a:buNone/>
+            </a:pPr>
+            <a:r>
+              <a:rPr lang="en-US" altLang="zh-CN" sz="2400" dirty="0"/>
+              <a:t>LAT=2</a:t>
+            </a:r>
+          </a:p>
+          <a:p>
+            <a:pPr marL="0" indent="0">
+              <a:buNone/>
+            </a:pPr>
+            <a:r>
+              <a:rPr lang="en-US" altLang="zh-CN" sz="2400" dirty="0"/>
+              <a:t>DIC=3</a:t>
+            </a:r>
+          </a:p>
+          <a:p>
+            <a:pPr marL="0" indent="0">
+              <a:buNone/>
+            </a:pPr>
+            <a:r>
+              <a:rPr lang="en-US" altLang="zh-CN" sz="2400" dirty="0"/>
+              <a:t>TAS=2</a:t>
+            </a:r>
+            <a:endParaRPr lang="zh-CN" altLang="en-US" sz="2400" dirty="0"/>
           </a:p>
         </p:txBody>
       </p:sp>
     </p:spTree>
     <p:extLst>
       <p:ext uri="{BB962C8B-B14F-4D97-AF65-F5344CB8AC3E}">
-        <p14:creationId xmlns:p14="http://schemas.microsoft.com/office/powerpoint/2010/main" val="2127548630"/>
+        <p14:creationId xmlns:p14="http://schemas.microsoft.com/office/powerpoint/2010/main" val="3898296435"/>
       </p:ext>
     </p:extLst>
   </p:cSld>
@@ -13767,6 +13964,624 @@
           <a:p>
             <a:r>
               <a:rPr lang="zh-CN" altLang="en-US" dirty="0"/>
+              <a:t>期望与预测</a:t>
+            </a:r>
+          </a:p>
+        </p:txBody>
+      </p:sp>
+      <p:sp>
+        <p:nvSpPr>
+          <p:cNvPr id="3" name="内容占位符 2"/>
+          <p:cNvSpPr>
+            <a:spLocks noGrp="1"/>
+          </p:cNvSpPr>
+          <p:nvPr>
+            <p:ph idx="1"/>
+          </p:nvPr>
+        </p:nvSpPr>
+        <p:spPr>
+          <a:xfrm>
+            <a:off x="1593437" y="1600200"/>
+            <a:ext cx="5005032" cy="4572000"/>
+          </a:xfrm>
+        </p:spPr>
+        <p:txBody>
+          <a:bodyPr/>
+          <a:lstStyle/>
+          <a:p>
+            <a:r>
+              <a:rPr lang="zh-CN" altLang="en-US" dirty="0"/>
+              <a:t>现实数据中，人们从数据的改变中感知趋势，随着时间持续越长，能够越清晰的感知到数据的趋势。</a:t>
+            </a:r>
+            <a:endParaRPr lang="en-US" altLang="zh-CN" dirty="0"/>
+          </a:p>
+          <a:p>
+            <a:r>
+              <a:rPr lang="zh-CN" altLang="en-US" dirty="0"/>
+              <a:t>当决策者有了足够的信息将趋势向前推演超过实际数据时，便成为预测数据，即时间序列的平滑方法描述了最原始的经验型预测。</a:t>
+            </a:r>
+          </a:p>
+        </p:txBody>
+      </p:sp>
+      <p:pic>
+        <p:nvPicPr>
+          <p:cNvPr id="4" name="图片 3"/>
+          <p:cNvPicPr>
+            <a:picLocks noChangeAspect="1"/>
+          </p:cNvPicPr>
+          <p:nvPr/>
+        </p:nvPicPr>
+        <p:blipFill>
+          <a:blip r:embed="rId2"/>
+          <a:stretch>
+            <a:fillRect/>
+          </a:stretch>
+        </p:blipFill>
+        <p:spPr>
+          <a:xfrm>
+            <a:off x="6484836" y="291018"/>
+            <a:ext cx="4824863" cy="2618363"/>
+          </a:xfrm>
+          <a:prstGeom prst="rect">
+            <a:avLst/>
+          </a:prstGeom>
+        </p:spPr>
+      </p:pic>
+    </p:spTree>
+    <p:extLst>
+      <p:ext uri="{BB962C8B-B14F-4D97-AF65-F5344CB8AC3E}">
+        <p14:creationId xmlns:p14="http://schemas.microsoft.com/office/powerpoint/2010/main" val="1641667917"/>
+      </p:ext>
+    </p:extLst>
+  </p:cSld>
+  <p:clrMapOvr>
+    <a:masterClrMapping/>
+  </p:clrMapOvr>
+  <mc:AlternateContent xmlns:mc="http://schemas.openxmlformats.org/markup-compatibility/2006" xmlns:p14="http://schemas.microsoft.com/office/powerpoint/2010/main">
+    <mc:Choice Requires="p14">
+      <p:transition spd="med" p14:dur="700">
+        <p:fade/>
+      </p:transition>
+    </mc:Choice>
+    <mc:Fallback xmlns="">
+      <p:transition spd="med">
+        <p:fade/>
+      </p:transition>
+    </mc:Fallback>
+  </mc:AlternateContent>
+</p:sld>
+</file>
+
+<file path=ppt/slides/slide21.xml><?xml version="1.0" encoding="utf-8"?>
+<p:sld xmlns:a="http://schemas.openxmlformats.org/drawingml/2006/main" xmlns:r="http://schemas.openxmlformats.org/officeDocument/2006/relationships" xmlns:p="http://schemas.openxmlformats.org/presentationml/2006/main">
+  <p:cSld>
+    <p:spTree>
+      <p:nvGrpSpPr>
+        <p:cNvPr id="1" name=""/>
+        <p:cNvGrpSpPr/>
+        <p:nvPr/>
+      </p:nvGrpSpPr>
+      <p:grpSpPr>
+        <a:xfrm>
+          <a:off x="0" y="0"/>
+          <a:ext cx="0" cy="0"/>
+          <a:chOff x="0" y="0"/>
+          <a:chExt cx="0" cy="0"/>
+        </a:xfrm>
+      </p:grpSpPr>
+      <p:sp>
+        <p:nvSpPr>
+          <p:cNvPr id="2" name="标题 1"/>
+          <p:cNvSpPr>
+            <a:spLocks noGrp="1"/>
+          </p:cNvSpPr>
+          <p:nvPr>
+            <p:ph type="title"/>
+          </p:nvPr>
+        </p:nvSpPr>
+        <p:spPr/>
+        <p:txBody>
+          <a:bodyPr/>
+          <a:lstStyle/>
+          <a:p>
+            <a:r>
+              <a:rPr lang="zh-CN" altLang="en-US" dirty="0"/>
+              <a:t>物质延迟和信息延迟的关系</a:t>
+            </a:r>
+          </a:p>
+        </p:txBody>
+      </p:sp>
+      <p:sp>
+        <p:nvSpPr>
+          <p:cNvPr id="3" name="内容占位符 2"/>
+          <p:cNvSpPr>
+            <a:spLocks noGrp="1"/>
+          </p:cNvSpPr>
+          <p:nvPr>
+            <p:ph idx="1"/>
+          </p:nvPr>
+        </p:nvSpPr>
+        <p:spPr/>
+        <p:txBody>
+          <a:bodyPr/>
+          <a:lstStyle/>
+          <a:p>
+            <a:r>
+              <a:rPr lang="zh-CN" altLang="en-US" dirty="0"/>
+              <a:t>课本</a:t>
+            </a:r>
+            <a:r>
+              <a:rPr lang="en-US" altLang="zh-CN" dirty="0"/>
+              <a:t>P137	</a:t>
+            </a:r>
+          </a:p>
+          <a:p>
+            <a:r>
+              <a:rPr lang="zh-CN" altLang="en-US" dirty="0"/>
+              <a:t>假设物质延迟和信息延迟的延迟时间相等且为常数，这两个延迟的输出是一样的</a:t>
+            </a:r>
+          </a:p>
+        </p:txBody>
+      </p:sp>
+    </p:spTree>
+    <p:extLst>
+      <p:ext uri="{BB962C8B-B14F-4D97-AF65-F5344CB8AC3E}">
+        <p14:creationId xmlns:p14="http://schemas.microsoft.com/office/powerpoint/2010/main" val="2805016597"/>
+      </p:ext>
+    </p:extLst>
+  </p:cSld>
+  <p:clrMapOvr>
+    <a:masterClrMapping/>
+  </p:clrMapOvr>
+  <mc:AlternateContent xmlns:mc="http://schemas.openxmlformats.org/markup-compatibility/2006" xmlns:p14="http://schemas.microsoft.com/office/powerpoint/2010/main">
+    <mc:Choice Requires="p14">
+      <p:transition spd="med" p14:dur="700">
+        <p:fade/>
+      </p:transition>
+    </mc:Choice>
+    <mc:Fallback xmlns="">
+      <p:transition spd="med">
+        <p:fade/>
+      </p:transition>
+    </mc:Fallback>
+  </mc:AlternateContent>
+</p:sld>
+</file>
+
+<file path=ppt/slides/slide22.xml><?xml version="1.0" encoding="utf-8"?>
+<p:sld xmlns:a="http://schemas.openxmlformats.org/drawingml/2006/main" xmlns:r="http://schemas.openxmlformats.org/officeDocument/2006/relationships" xmlns:p="http://schemas.openxmlformats.org/presentationml/2006/main">
+  <p:cSld>
+    <p:spTree>
+      <p:nvGrpSpPr>
+        <p:cNvPr id="1" name=""/>
+        <p:cNvGrpSpPr/>
+        <p:nvPr/>
+      </p:nvGrpSpPr>
+      <p:grpSpPr>
+        <a:xfrm>
+          <a:off x="0" y="0"/>
+          <a:ext cx="0" cy="0"/>
+          <a:chOff x="0" y="0"/>
+          <a:chExt cx="0" cy="0"/>
+        </a:xfrm>
+      </p:grpSpPr>
+      <p:sp>
+        <p:nvSpPr>
+          <p:cNvPr id="2" name="标题 1"/>
+          <p:cNvSpPr>
+            <a:spLocks noGrp="1"/>
+          </p:cNvSpPr>
+          <p:nvPr>
+            <p:ph type="title"/>
+          </p:nvPr>
+        </p:nvSpPr>
+        <p:spPr/>
+        <p:txBody>
+          <a:bodyPr/>
+          <a:lstStyle/>
+          <a:p>
+            <a:r>
+              <a:rPr lang="zh-CN" altLang="en-US" dirty="0"/>
+              <a:t>延迟与振荡的关系</a:t>
+            </a:r>
+          </a:p>
+        </p:txBody>
+      </p:sp>
+      <p:sp>
+        <p:nvSpPr>
+          <p:cNvPr id="3" name="内容占位符 2"/>
+          <p:cNvSpPr>
+            <a:spLocks noGrp="1"/>
+          </p:cNvSpPr>
+          <p:nvPr>
+            <p:ph idx="1"/>
+          </p:nvPr>
+        </p:nvSpPr>
+        <p:spPr/>
+        <p:txBody>
+          <a:bodyPr/>
+          <a:lstStyle/>
+          <a:p>
+            <a:r>
+              <a:rPr lang="zh-CN" altLang="en-US" dirty="0"/>
+              <a:t>带有时间延迟的负反馈</a:t>
+            </a:r>
+            <a:endParaRPr lang="en-US" altLang="zh-CN" dirty="0"/>
+          </a:p>
+          <a:p>
+            <a:pPr marL="365760" lvl="1" indent="0">
+              <a:buNone/>
+            </a:pPr>
+            <a:r>
+              <a:rPr lang="zh-CN" altLang="en-US" dirty="0"/>
+              <a:t>无延迟状态：差异产生</a:t>
+            </a:r>
+            <a:r>
+              <a:rPr lang="en-US" altLang="zh-CN" dirty="0">
+                <a:sym typeface="Wingdings" panose="05000000000000000000" pitchFamily="2" charset="2"/>
+              </a:rPr>
+              <a:t></a:t>
+            </a:r>
+            <a:r>
+              <a:rPr lang="zh-CN" altLang="en-US" dirty="0">
+                <a:sym typeface="Wingdings" panose="05000000000000000000" pitchFamily="2" charset="2"/>
+              </a:rPr>
+              <a:t>对比期望</a:t>
+            </a:r>
+            <a:r>
+              <a:rPr lang="en-US" altLang="zh-CN" dirty="0">
+                <a:sym typeface="Wingdings" panose="05000000000000000000" pitchFamily="2" charset="2"/>
+              </a:rPr>
+              <a:t></a:t>
+            </a:r>
+            <a:r>
+              <a:rPr lang="zh-CN" altLang="en-US" dirty="0">
+                <a:sym typeface="Wingdings" panose="05000000000000000000" pitchFamily="2" charset="2"/>
+              </a:rPr>
+              <a:t>调整系统状态</a:t>
+            </a:r>
+            <a:endParaRPr lang="en-US" altLang="zh-CN" dirty="0"/>
+          </a:p>
+          <a:p>
+            <a:pPr marL="365760" lvl="1" indent="0">
+              <a:buNone/>
+            </a:pPr>
+            <a:endParaRPr lang="en-US" altLang="zh-CN" dirty="0"/>
+          </a:p>
+          <a:p>
+            <a:pPr marL="365760" lvl="1" indent="0">
+              <a:buNone/>
+            </a:pPr>
+            <a:r>
+              <a:rPr lang="zh-CN" altLang="en-US" dirty="0"/>
+              <a:t>有延迟状态：？</a:t>
+            </a:r>
+          </a:p>
+        </p:txBody>
+      </p:sp>
+      <p:pic>
+        <p:nvPicPr>
+          <p:cNvPr id="4" name="图片 3"/>
+          <p:cNvPicPr>
+            <a:picLocks noChangeAspect="1"/>
+          </p:cNvPicPr>
+          <p:nvPr/>
+        </p:nvPicPr>
+        <p:blipFill>
+          <a:blip r:embed="rId2"/>
+          <a:stretch>
+            <a:fillRect/>
+          </a:stretch>
+        </p:blipFill>
+        <p:spPr>
+          <a:xfrm>
+            <a:off x="6598468" y="3041156"/>
+            <a:ext cx="5121453" cy="2148163"/>
+          </a:xfrm>
+          <a:prstGeom prst="rect">
+            <a:avLst/>
+          </a:prstGeom>
+        </p:spPr>
+      </p:pic>
+      <p:sp>
+        <p:nvSpPr>
+          <p:cNvPr id="5" name="文本框 4"/>
+          <p:cNvSpPr txBox="1"/>
+          <p:nvPr/>
+        </p:nvSpPr>
+        <p:spPr>
+          <a:xfrm>
+            <a:off x="1569467" y="4803152"/>
+            <a:ext cx="3416320" cy="369332"/>
+          </a:xfrm>
+          <a:prstGeom prst="rect">
+            <a:avLst/>
+          </a:prstGeom>
+          <a:noFill/>
+        </p:spPr>
+        <p:txBody>
+          <a:bodyPr wrap="none" rtlCol="0">
+            <a:spAutoFit/>
+          </a:bodyPr>
+          <a:lstStyle/>
+          <a:p>
+            <a:r>
+              <a:rPr lang="zh-CN" altLang="en-US" dirty="0">
+                <a:solidFill>
+                  <a:srgbClr val="7030A0"/>
+                </a:solidFill>
+              </a:rPr>
+              <a:t>延迟是系统产生振荡的必要条件</a:t>
+            </a:r>
+          </a:p>
+        </p:txBody>
+      </p:sp>
+    </p:spTree>
+    <p:extLst>
+      <p:ext uri="{BB962C8B-B14F-4D97-AF65-F5344CB8AC3E}">
+        <p14:creationId xmlns:p14="http://schemas.microsoft.com/office/powerpoint/2010/main" val="1938869087"/>
+      </p:ext>
+    </p:extLst>
+  </p:cSld>
+  <p:clrMapOvr>
+    <a:masterClrMapping/>
+  </p:clrMapOvr>
+  <mc:AlternateContent xmlns:mc="http://schemas.openxmlformats.org/markup-compatibility/2006" xmlns:p14="http://schemas.microsoft.com/office/powerpoint/2010/main">
+    <mc:Choice Requires="p14">
+      <p:transition spd="med" p14:dur="700">
+        <p:fade/>
+      </p:transition>
+    </mc:Choice>
+    <mc:Fallback xmlns="">
+      <p:transition spd="med">
+        <p:fade/>
+      </p:transition>
+    </mc:Fallback>
+  </mc:AlternateContent>
+  <p:timing>
+    <p:tnLst>
+      <p:par>
+        <p:cTn id="1" dur="indefinite" restart="never" nodeType="tmRoot">
+          <p:childTnLst>
+            <p:seq concurrent="1" nextAc="seek">
+              <p:cTn id="2" dur="indefinite" nodeType="mainSeq">
+                <p:childTnLst>
+                  <p:par>
+                    <p:cTn id="3" fill="hold">
+                      <p:stCondLst>
+                        <p:cond delay="indefinite"/>
+                      </p:stCondLst>
+                      <p:childTnLst>
+                        <p:par>
+                          <p:cTn id="4" fill="hold">
+                            <p:stCondLst>
+                              <p:cond delay="0"/>
+                            </p:stCondLst>
+                            <p:childTnLst>
+                              <p:par>
+                                <p:cTn id="5" presetID="10" presetClass="entr" presetSubtype="0" fill="hold" grpId="0" nodeType="clickEffect">
+                                  <p:stCondLst>
+                                    <p:cond delay="0"/>
+                                  </p:stCondLst>
+                                  <p:childTnLst>
+                                    <p:set>
+                                      <p:cBhvr>
+                                        <p:cTn id="6" dur="1" fill="hold">
+                                          <p:stCondLst>
+                                            <p:cond delay="0"/>
+                                          </p:stCondLst>
+                                        </p:cTn>
+                                        <p:tgtEl>
+                                          <p:spTgt spid="5"/>
+                                        </p:tgtEl>
+                                        <p:attrNameLst>
+                                          <p:attrName>style.visibility</p:attrName>
+                                        </p:attrNameLst>
+                                      </p:cBhvr>
+                                      <p:to>
+                                        <p:strVal val="visible"/>
+                                      </p:to>
+                                    </p:set>
+                                    <p:animEffect transition="in" filter="fade">
+                                      <p:cBhvr>
+                                        <p:cTn id="7" dur="500"/>
+                                        <p:tgtEl>
+                                          <p:spTgt spid="5"/>
+                                        </p:tgtEl>
+                                      </p:cBhvr>
+                                    </p:animEffect>
+                                  </p:childTnLst>
+                                </p:cTn>
+                              </p:par>
+                            </p:childTnLst>
+                          </p:cTn>
+                        </p:par>
+                      </p:childTnLst>
+                    </p:cTn>
+                  </p:par>
+                </p:childTnLst>
+              </p:cTn>
+              <p:prevCondLst>
+                <p:cond evt="onPrev" delay="0">
+                  <p:tgtEl>
+                    <p:sldTgt/>
+                  </p:tgtEl>
+                </p:cond>
+              </p:prevCondLst>
+              <p:nextCondLst>
+                <p:cond evt="onNext" delay="0">
+                  <p:tgtEl>
+                    <p:sldTgt/>
+                  </p:tgtEl>
+                </p:cond>
+              </p:nextCondLst>
+            </p:seq>
+          </p:childTnLst>
+        </p:cTn>
+      </p:par>
+    </p:tnLst>
+    <p:bldLst>
+      <p:bldP spid="5" grpId="0"/>
+    </p:bldLst>
+  </p:timing>
+</p:sld>
+</file>
+
+<file path=ppt/slides/slide23.xml><?xml version="1.0" encoding="utf-8"?>
+<p:sld xmlns:a="http://schemas.openxmlformats.org/drawingml/2006/main" xmlns:r="http://schemas.openxmlformats.org/officeDocument/2006/relationships" xmlns:p="http://schemas.openxmlformats.org/presentationml/2006/main">
+  <p:cSld>
+    <p:spTree>
+      <p:nvGrpSpPr>
+        <p:cNvPr id="1" name=""/>
+        <p:cNvGrpSpPr/>
+        <p:nvPr/>
+      </p:nvGrpSpPr>
+      <p:grpSpPr>
+        <a:xfrm>
+          <a:off x="0" y="0"/>
+          <a:ext cx="0" cy="0"/>
+          <a:chOff x="0" y="0"/>
+          <a:chExt cx="0" cy="0"/>
+        </a:xfrm>
+      </p:grpSpPr>
+      <p:sp>
+        <p:nvSpPr>
+          <p:cNvPr id="2" name="标题 1"/>
+          <p:cNvSpPr>
+            <a:spLocks noGrp="1"/>
+          </p:cNvSpPr>
+          <p:nvPr>
+            <p:ph type="title"/>
+          </p:nvPr>
+        </p:nvSpPr>
+        <p:spPr/>
+        <p:txBody>
+          <a:bodyPr/>
+          <a:lstStyle/>
+          <a:p>
+            <a:r>
+              <a:rPr lang="zh-CN" altLang="en-US" dirty="0"/>
+              <a:t>啤酒游戏中供应链为什么产生反复振荡</a:t>
+            </a:r>
+          </a:p>
+        </p:txBody>
+      </p:sp>
+      <p:sp>
+        <p:nvSpPr>
+          <p:cNvPr id="3" name="内容占位符 2"/>
+          <p:cNvSpPr>
+            <a:spLocks noGrp="1"/>
+          </p:cNvSpPr>
+          <p:nvPr>
+            <p:ph idx="1"/>
+          </p:nvPr>
+        </p:nvSpPr>
+        <p:spPr/>
+        <p:txBody>
+          <a:bodyPr/>
+          <a:lstStyle/>
+          <a:p>
+            <a:r>
+              <a:rPr lang="zh-CN" altLang="en-US" dirty="0"/>
+              <a:t>上个世纪</a:t>
+            </a:r>
+            <a:r>
+              <a:rPr lang="en-US" altLang="zh-CN" dirty="0"/>
+              <a:t>60</a:t>
+            </a:r>
+            <a:r>
+              <a:rPr lang="zh-CN" altLang="en-US" dirty="0"/>
+              <a:t>年代初，</a:t>
+            </a:r>
+            <a:r>
+              <a:rPr lang="en-US" altLang="zh-CN" dirty="0"/>
+              <a:t>Jay </a:t>
+            </a:r>
+            <a:r>
+              <a:rPr lang="en-US" altLang="zh-CN" dirty="0" err="1"/>
+              <a:t>Forrrester</a:t>
+            </a:r>
+            <a:r>
+              <a:rPr lang="zh-CN" altLang="en-US" dirty="0"/>
+              <a:t>在</a:t>
+            </a:r>
+            <a:r>
+              <a:rPr lang="en-US" altLang="zh-CN" dirty="0"/>
+              <a:t>Sloan</a:t>
+            </a:r>
+            <a:r>
+              <a:rPr lang="zh-CN" altLang="en-US" dirty="0"/>
+              <a:t>商学院时发明一套啤酒分销游戏，向学习管理的学生介绍供应链和系统动力学仿真的概念。</a:t>
+            </a:r>
+            <a:endParaRPr lang="en-US" altLang="zh-CN" dirty="0"/>
+          </a:p>
+          <a:p>
+            <a:r>
+              <a:rPr lang="zh-CN" altLang="en-US" dirty="0"/>
+              <a:t>啤酒系统中包括四个部门：零售商，批发商，分销商和工厂，每个游戏者管理一个部门，每周消费者从零售商手里购买啤酒，零售商用库存满足他们的需求，然后向批发商订购啤酒，批发商从自己库存供应给零售商，同样的，批发商向分销商订购和获得啤酒，而供应商则从工厂订购，工厂负责制作啤酒。</a:t>
+            </a:r>
+          </a:p>
+        </p:txBody>
+      </p:sp>
+    </p:spTree>
+    <p:extLst>
+      <p:ext uri="{BB962C8B-B14F-4D97-AF65-F5344CB8AC3E}">
+        <p14:creationId xmlns:p14="http://schemas.microsoft.com/office/powerpoint/2010/main" val="2127548630"/>
+      </p:ext>
+    </p:extLst>
+  </p:cSld>
+  <p:clrMapOvr>
+    <a:masterClrMapping/>
+  </p:clrMapOvr>
+  <mc:AlternateContent xmlns:mc="http://schemas.openxmlformats.org/markup-compatibility/2006" xmlns:p14="http://schemas.microsoft.com/office/powerpoint/2010/main">
+    <mc:Choice Requires="p14">
+      <p:transition spd="med" p14:dur="700">
+        <p:fade/>
+      </p:transition>
+    </mc:Choice>
+    <mc:Fallback xmlns="">
+      <p:transition spd="med">
+        <p:fade/>
+      </p:transition>
+    </mc:Fallback>
+  </mc:AlternateContent>
+</p:sld>
+</file>
+
+<file path=ppt/slides/slide24.xml><?xml version="1.0" encoding="utf-8"?>
+<p:sld xmlns:a="http://schemas.openxmlformats.org/drawingml/2006/main" xmlns:r="http://schemas.openxmlformats.org/officeDocument/2006/relationships" xmlns:p="http://schemas.openxmlformats.org/presentationml/2006/main">
+  <p:cSld>
+    <p:spTree>
+      <p:nvGrpSpPr>
+        <p:cNvPr id="1" name=""/>
+        <p:cNvGrpSpPr/>
+        <p:nvPr/>
+      </p:nvGrpSpPr>
+      <p:grpSpPr>
+        <a:xfrm>
+          <a:off x="0" y="0"/>
+          <a:ext cx="0" cy="0"/>
+          <a:chOff x="0" y="0"/>
+          <a:chExt cx="0" cy="0"/>
+        </a:xfrm>
+      </p:grpSpPr>
+      <p:sp>
+        <p:nvSpPr>
+          <p:cNvPr id="2" name="标题 1"/>
+          <p:cNvSpPr>
+            <a:spLocks noGrp="1"/>
+          </p:cNvSpPr>
+          <p:nvPr>
+            <p:ph type="title"/>
+          </p:nvPr>
+        </p:nvSpPr>
+        <p:spPr/>
+        <p:txBody>
+          <a:bodyPr/>
+          <a:lstStyle/>
+          <a:p>
+            <a:r>
+              <a:rPr lang="zh-CN" altLang="en-US" dirty="0"/>
               <a:t>振荡的来源</a:t>
             </a:r>
           </a:p>
@@ -15977,7 +16792,7 @@
             <a:graphicData uri="http://schemas.openxmlformats.org/presentationml/2006/ole">
               <mc:AlternateContent xmlns:mc="http://schemas.openxmlformats.org/markup-compatibility/2006">
                 <mc:Choice xmlns:v="urn:schemas-microsoft-com:vml" Requires="v">
-                  <p:oleObj spid="_x0000_s2067" name="Equation" r:id="rId5" imgW="1638000" imgH="203040" progId="Equation.DSMT4">
+                  <p:oleObj spid="_x0000_s2069" name="Equation" r:id="rId5" imgW="1638000" imgH="203040" progId="Equation.DSMT4">
                     <p:embed/>
                   </p:oleObj>
                 </mc:Choice>
@@ -16186,8 +17001,8 @@
           </a:p>
         </p:txBody>
       </p:sp>
-      <mc:AlternateContent xmlns:mc="http://schemas.openxmlformats.org/markup-compatibility/2006">
-        <mc:Choice xmlns:a14="http://schemas.microsoft.com/office/drawing/2010/main" Requires="a14">
+      <mc:AlternateContent xmlns:mc="http://schemas.openxmlformats.org/markup-compatibility/2006" xmlns:a14="http://schemas.microsoft.com/office/drawing/2010/main">
+        <mc:Choice Requires="a14">
           <p:sp>
             <p:nvSpPr>
               <p:cNvPr id="7" name="文本框 6"/>
@@ -16244,7 +17059,7 @@
             </p:txBody>
           </p:sp>
         </mc:Choice>
-        <mc:Fallback>
+        <mc:Fallback xmlns="">
           <p:sp>
             <p:nvSpPr>
               <p:cNvPr id="7" name="文本框 6"/>
@@ -17786,23 +18601,29 @@
 
 <file path=customXml/item1.xml><?xml version="1.0" encoding="utf-8"?>
 <Control xmlns="http://schemas.microsoft.com/VisualStudio/2011/storyboarding/control">
-  <Id Name="System.Storyboarding.Common.DragSelection" Revision="1" Stencil="System.Storyboarding.Common" StencilVersion="0.1"/>
+  <Id Name="System.Storyboarding.Common.TextInput" Revision="1" Stencil="System.Storyboarding.Common" StencilVersion="0.1"/>
 </Control>
 </file>
 
 <file path=customXml/item2.xml><?xml version="1.0" encoding="utf-8"?>
 <Control xmlns="http://schemas.microsoft.com/VisualStudio/2011/storyboarding/control">
-  <Id Name="System.Storyboarding.Common.TextInput" Revision="1" Stencil="System.Storyboarding.Common" StencilVersion="0.1"/>
+  <Id Name="System.Storyboarding.Common.DragSelection" Revision="1" Stencil="System.Storyboarding.Common" StencilVersion="0.1"/>
 </Control>
 </file>
 
 <file path=customXml/item3.xml><?xml version="1.0" encoding="utf-8"?>
 <Control xmlns="http://schemas.microsoft.com/VisualStudio/2011/storyboarding/control">
-  <Id Name="5e505f8e-b0aa-429a-bb4c-92ab0e8a8ee6" RevisionId="d2083f08-ba4f-4330-87aa-e4d23a4443d7" Stencil="172d6d98-e5c9-42e9-a209-79f7a94bbd38" StencilRevisionId="00000000-0000-0000-0000-000000000000" StencilVersion="0.0"/>
+  <Id Name="System.Storyboarding.WindowsApps.WindowsAppsProgressRing" Revision="1" Stencil="System.Storyboarding.WindowsApps" StencilVersion="0.1"/>
 </Control>
 </file>
 
 <file path=customXml/item4.xml><?xml version="1.0" encoding="utf-8"?>
+<Control xmlns="http://schemas.microsoft.com/VisualStudio/2011/storyboarding/control">
+  <Id Name="System.Storyboarding.Annotation.StickyNote" Revision="1" Stencil="System.Storyboarding.Annotation" StencilVersion="0.1"/>
+</Control>
+</file>
+
+<file path=customXml/item5.xml><?xml version="1.0" encoding="utf-8"?>
 <p:properties xmlns:p="http://schemas.microsoft.com/office/2006/metadata/properties" xmlns:xsi="http://www.w3.org/2001/XMLSchema-instance" xmlns:pc="http://schemas.microsoft.com/office/infopath/2007/PartnerControls">
   <documentManagement>
     <_dlc_DocId xmlns="b4ebf394-daf6-497a-96c5-a2f8c10b38cf">TT6HZDVJM2HV-178-321</_dlc_DocId>
@@ -17814,15 +18635,9 @@
 </p:properties>
 </file>
 
-<file path=customXml/item5.xml><?xml version="1.0" encoding="utf-8"?>
-<Control xmlns="http://schemas.microsoft.com/VisualStudio/2011/storyboarding/control">
-  <Id Name="System.Storyboarding.Annotation.StickyNote" Revision="1" Stencil="System.Storyboarding.Annotation" StencilVersion="0.1"/>
-</Control>
-</file>
-
 <file path=customXml/item6.xml><?xml version="1.0" encoding="utf-8"?>
 <Control xmlns="http://schemas.microsoft.com/VisualStudio/2011/storyboarding/control">
-  <Id Name="System.Storyboarding.WindowsApps.WindowsAppsProgressRing" Revision="1" Stencil="System.Storyboarding.WindowsApps" StencilVersion="0.1"/>
+  <Id Name="5e505f8e-b0aa-429a-bb4c-92ab0e8a8ee6" RevisionId="d2083f08-ba4f-4330-87aa-e4d23a4443d7" Stencil="172d6d98-e5c9-42e9-a209-79f7a94bbd38" StencilRevisionId="00000000-0000-0000-0000-000000000000" StencilVersion="0.0"/>
 </Control>
 </file>
 
@@ -17833,6 +18648,14 @@
 </file>
 
 <file path=customXml/itemProps1.xml><?xml version="1.0" encoding="utf-8"?>
+<ds:datastoreItem xmlns:ds="http://schemas.openxmlformats.org/officeDocument/2006/customXml" ds:itemID="{195C3A57-25C5-4CAC-A396-8711CE839175}">
+  <ds:schemaRefs>
+    <ds:schemaRef ds:uri="http://schemas.microsoft.com/VisualStudio/2011/storyboarding/control"/>
+  </ds:schemaRefs>
+</ds:datastoreItem>
+</file>
+
+<file path=customXml/itemProps2.xml><?xml version="1.0" encoding="utf-8"?>
 <ds:datastoreItem xmlns:ds="http://schemas.openxmlformats.org/officeDocument/2006/customXml" ds:itemID="{74F50758-6994-47AF-ADB4-84074E43B95D}">
   <ds:schemaRefs>
     <ds:schemaRef ds:uri="http://schemas.microsoft.com/VisualStudio/2011/storyboarding/control"/>
@@ -17840,16 +18663,8 @@
 </ds:datastoreItem>
 </file>
 
-<file path=customXml/itemProps2.xml><?xml version="1.0" encoding="utf-8"?>
-<ds:datastoreItem xmlns:ds="http://schemas.openxmlformats.org/officeDocument/2006/customXml" ds:itemID="{195C3A57-25C5-4CAC-A396-8711CE839175}">
-  <ds:schemaRefs>
-    <ds:schemaRef ds:uri="http://schemas.microsoft.com/VisualStudio/2011/storyboarding/control"/>
-  </ds:schemaRefs>
-</ds:datastoreItem>
-</file>
-
 <file path=customXml/itemProps3.xml><?xml version="1.0" encoding="utf-8"?>
-<ds:datastoreItem xmlns:ds="http://schemas.openxmlformats.org/officeDocument/2006/customXml" ds:itemID="{22271091-DDCE-44B5-B608-BB96BCA0C299}">
+<ds:datastoreItem xmlns:ds="http://schemas.openxmlformats.org/officeDocument/2006/customXml" ds:itemID="{EE994FE8-9D1B-4C75-9803-F4D3D8088B5B}">
   <ds:schemaRefs>
     <ds:schemaRef ds:uri="http://schemas.microsoft.com/VisualStudio/2011/storyboarding/control"/>
   </ds:schemaRefs>
@@ -17857,6 +18672,14 @@
 </file>
 
 <file path=customXml/itemProps4.xml><?xml version="1.0" encoding="utf-8"?>
+<ds:datastoreItem xmlns:ds="http://schemas.openxmlformats.org/officeDocument/2006/customXml" ds:itemID="{35CD12A2-2187-402A-B9D9-EF68624DB0B9}">
+  <ds:schemaRefs>
+    <ds:schemaRef ds:uri="http://schemas.microsoft.com/VisualStudio/2011/storyboarding/control"/>
+  </ds:schemaRefs>
+</ds:datastoreItem>
+</file>
+
+<file path=customXml/itemProps5.xml><?xml version="1.0" encoding="utf-8"?>
 <ds:datastoreItem xmlns:ds="http://schemas.openxmlformats.org/officeDocument/2006/customXml" ds:itemID="{1322E1B6-B69B-4B1E-9F64-FFB1E4A65691}">
   <ds:schemaRefs>
     <ds:schemaRef ds:uri="http://schemas.microsoft.com/office/2006/metadata/properties"/>
@@ -17866,16 +18689,8 @@
 </ds:datastoreItem>
 </file>
 
-<file path=customXml/itemProps5.xml><?xml version="1.0" encoding="utf-8"?>
-<ds:datastoreItem xmlns:ds="http://schemas.openxmlformats.org/officeDocument/2006/customXml" ds:itemID="{35CD12A2-2187-402A-B9D9-EF68624DB0B9}">
-  <ds:schemaRefs>
-    <ds:schemaRef ds:uri="http://schemas.microsoft.com/VisualStudio/2011/storyboarding/control"/>
-  </ds:schemaRefs>
-</ds:datastoreItem>
-</file>
-
 <file path=customXml/itemProps6.xml><?xml version="1.0" encoding="utf-8"?>
-<ds:datastoreItem xmlns:ds="http://schemas.openxmlformats.org/officeDocument/2006/customXml" ds:itemID="{EE994FE8-9D1B-4C75-9803-F4D3D8088B5B}">
+<ds:datastoreItem xmlns:ds="http://schemas.openxmlformats.org/officeDocument/2006/customXml" ds:itemID="{22271091-DDCE-44B5-B608-BB96BCA0C299}">
   <ds:schemaRefs>
     <ds:schemaRef ds:uri="http://schemas.microsoft.com/VisualStudio/2011/storyboarding/control"/>
   </ds:schemaRefs>
